--- a/trunk/Dokumenti/Davor/Inter predikcija.pptx
+++ b/trunk/Dokumenti/Davor/Inter predikcija.pptx
@@ -5,18 +5,19 @@
     <p:sldMasterId id="2147483660" r:id="rId1"/>
   </p:sldMasterIdLst>
   <p:notesMasterIdLst>
-    <p:notesMasterId r:id="rId11"/>
+    <p:notesMasterId r:id="rId12"/>
   </p:notesMasterIdLst>
   <p:sldIdLst>
     <p:sldId id="256" r:id="rId2"/>
     <p:sldId id="257" r:id="rId3"/>
     <p:sldId id="258" r:id="rId4"/>
-    <p:sldId id="259" r:id="rId5"/>
-    <p:sldId id="260" r:id="rId6"/>
-    <p:sldId id="261" r:id="rId7"/>
-    <p:sldId id="262" r:id="rId8"/>
-    <p:sldId id="263" r:id="rId9"/>
-    <p:sldId id="264" r:id="rId10"/>
+    <p:sldId id="265" r:id="rId5"/>
+    <p:sldId id="259" r:id="rId6"/>
+    <p:sldId id="260" r:id="rId7"/>
+    <p:sldId id="261" r:id="rId8"/>
+    <p:sldId id="262" r:id="rId9"/>
+    <p:sldId id="263" r:id="rId10"/>
+    <p:sldId id="264" r:id="rId11"/>
   </p:sldIdLst>
   <p:sldSz cx="9144000" cy="6858000" type="screen4x3"/>
   <p:notesSz cx="6858000" cy="9144000"/>
@@ -200,7 +201,8 @@
           <a:p>
             <a:fld id="{339739FD-5094-417E-8544-6E8811996CB3}" type="datetimeFigureOut">
               <a:rPr lang="sr-Latn-CS" smtClean="0"/>
-              <a:t>15.6.2010</a:t>
+              <a:pPr/>
+              <a:t>16.6.2010</a:t>
             </a:fld>
             <a:endParaRPr lang="hr-HR"/>
           </a:p>
@@ -361,6 +363,7 @@
           <a:p>
             <a:fld id="{43F556EB-74DE-42DE-B5A3-C95D28CEF6D7}" type="slidenum">
               <a:rPr lang="hr-HR" smtClean="0"/>
+              <a:pPr/>
               <a:t>‹#›</a:t>
             </a:fld>
             <a:endParaRPr lang="hr-HR"/>
@@ -1090,7 +1093,8 @@
           <a:p>
             <a:fld id="{64AB543F-76A7-42D5-8EEA-D670376D5453}" type="datetime1">
               <a:rPr lang="sr-Latn-CS" smtClean="0"/>
-              <a:t>15.6.2010</a:t>
+              <a:pPr/>
+              <a:t>16.6.2010</a:t>
             </a:fld>
             <a:endParaRPr lang="hr-HR"/>
           </a:p>
@@ -1156,6 +1160,7 @@
           <a:p>
             <a:fld id="{D7442919-5B2D-493E-8C74-C1A9103AEA28}" type="slidenum">
               <a:rPr lang="hr-HR" smtClean="0"/>
+              <a:pPr/>
               <a:t>‹#›</a:t>
             </a:fld>
             <a:endParaRPr lang="hr-HR"/>
@@ -1290,7 +1295,8 @@
           <a:p>
             <a:fld id="{019FA49D-1B34-492B-8F0A-59EA8D7BA25E}" type="datetime1">
               <a:rPr lang="sr-Latn-CS" smtClean="0"/>
-              <a:t>15.6.2010</a:t>
+              <a:pPr/>
+              <a:t>16.6.2010</a:t>
             </a:fld>
             <a:endParaRPr lang="hr-HR"/>
           </a:p>
@@ -1340,6 +1346,7 @@
           <a:p>
             <a:fld id="{D7442919-5B2D-493E-8C74-C1A9103AEA28}" type="slidenum">
               <a:rPr lang="hr-HR" smtClean="0"/>
+              <a:pPr/>
               <a:t>‹#›</a:t>
             </a:fld>
             <a:endParaRPr lang="hr-HR"/>
@@ -1479,7 +1486,8 @@
           <a:p>
             <a:fld id="{80E4A64F-1E0C-4BC2-B2E9-BBCC649D9F02}" type="datetime1">
               <a:rPr lang="sr-Latn-CS" smtClean="0"/>
-              <a:t>15.6.2010</a:t>
+              <a:pPr/>
+              <a:t>16.6.2010</a:t>
             </a:fld>
             <a:endParaRPr lang="hr-HR"/>
           </a:p>
@@ -1529,6 +1537,7 @@
           <a:p>
             <a:fld id="{D7442919-5B2D-493E-8C74-C1A9103AEA28}" type="slidenum">
               <a:rPr lang="hr-HR" smtClean="0"/>
+              <a:pPr/>
               <a:t>‹#›</a:t>
             </a:fld>
             <a:endParaRPr lang="hr-HR"/>
@@ -1633,7 +1642,8 @@
           <a:p>
             <a:fld id="{18DFF1B5-DD61-4007-B3DE-13FE0464F60D}" type="datetime1">
               <a:rPr lang="sr-Latn-CS" smtClean="0"/>
-              <a:t>15.6.2010</a:t>
+              <a:pPr/>
+              <a:t>16.6.2010</a:t>
             </a:fld>
             <a:endParaRPr lang="hr-HR"/>
           </a:p>
@@ -1683,6 +1693,7 @@
           <a:p>
             <a:fld id="{D7442919-5B2D-493E-8C74-C1A9103AEA28}" type="slidenum">
               <a:rPr lang="hr-HR" smtClean="0"/>
+              <a:pPr/>
               <a:t>‹#›</a:t>
             </a:fld>
             <a:endParaRPr lang="hr-HR"/>
@@ -1892,7 +1903,8 @@
           <a:p>
             <a:fld id="{82D9BD46-B47B-46C0-9BA3-9451897DE729}" type="datetime1">
               <a:rPr lang="sr-Latn-CS" smtClean="0"/>
-              <a:t>15.6.2010</a:t>
+              <a:pPr/>
+              <a:t>16.6.2010</a:t>
             </a:fld>
             <a:endParaRPr lang="hr-HR"/>
           </a:p>
@@ -1942,6 +1954,7 @@
           <a:p>
             <a:fld id="{D7442919-5B2D-493E-8C74-C1A9103AEA28}" type="slidenum">
               <a:rPr lang="hr-HR" smtClean="0"/>
+              <a:pPr/>
               <a:t>‹#›</a:t>
             </a:fld>
             <a:endParaRPr lang="hr-HR"/>
@@ -2305,7 +2318,8 @@
           <a:p>
             <a:fld id="{0692078F-3080-4ABB-9825-87169C3C4BAB}" type="datetime1">
               <a:rPr lang="sr-Latn-CS" smtClean="0"/>
-              <a:t>15.6.2010</a:t>
+              <a:pPr/>
+              <a:t>16.6.2010</a:t>
             </a:fld>
             <a:endParaRPr lang="hr-HR"/>
           </a:p>
@@ -2355,6 +2369,7 @@
           <a:p>
             <a:fld id="{D7442919-5B2D-493E-8C74-C1A9103AEA28}" type="slidenum">
               <a:rPr lang="hr-HR" smtClean="0"/>
+              <a:pPr/>
               <a:t>‹#›</a:t>
             </a:fld>
             <a:endParaRPr lang="hr-HR"/>
@@ -2755,7 +2770,8 @@
           <a:p>
             <a:fld id="{1811AC45-4FC0-4A3C-82D3-84B4B44A8999}" type="datetime1">
               <a:rPr lang="sr-Latn-CS" smtClean="0"/>
-              <a:t>15.6.2010</a:t>
+              <a:pPr/>
+              <a:t>16.6.2010</a:t>
             </a:fld>
             <a:endParaRPr lang="hr-HR"/>
           </a:p>
@@ -2805,6 +2821,7 @@
           <a:p>
             <a:fld id="{D7442919-5B2D-493E-8C74-C1A9103AEA28}" type="slidenum">
               <a:rPr lang="hr-HR" smtClean="0"/>
+              <a:pPr/>
               <a:t>‹#›</a:t>
             </a:fld>
             <a:endParaRPr lang="hr-HR"/>
@@ -2860,7 +2877,8 @@
           <a:p>
             <a:fld id="{C21982EF-882F-498B-A6BE-0DBB63079F2B}" type="datetime1">
               <a:rPr lang="sr-Latn-CS" smtClean="0"/>
-              <a:t>15.6.2010</a:t>
+              <a:pPr/>
+              <a:t>16.6.2010</a:t>
             </a:fld>
             <a:endParaRPr lang="hr-HR"/>
           </a:p>
@@ -2910,6 +2928,7 @@
           <a:p>
             <a:fld id="{D7442919-5B2D-493E-8C74-C1A9103AEA28}" type="slidenum">
               <a:rPr lang="hr-HR" smtClean="0"/>
+              <a:pPr/>
               <a:t>‹#›</a:t>
             </a:fld>
             <a:endParaRPr lang="hr-HR"/>
@@ -2985,7 +3004,8 @@
           <a:p>
             <a:fld id="{A8C5048C-4964-4F4B-ADF1-508345FDA837}" type="datetime1">
               <a:rPr lang="sr-Latn-CS" smtClean="0"/>
-              <a:t>15.6.2010</a:t>
+              <a:pPr/>
+              <a:t>16.6.2010</a:t>
             </a:fld>
             <a:endParaRPr lang="hr-HR"/>
           </a:p>
@@ -3035,6 +3055,7 @@
           <a:p>
             <a:fld id="{D7442919-5B2D-493E-8C74-C1A9103AEA28}" type="slidenum">
               <a:rPr lang="hr-HR" smtClean="0"/>
+              <a:pPr/>
               <a:t>‹#›</a:t>
             </a:fld>
             <a:endParaRPr lang="hr-HR"/>
@@ -3263,7 +3284,8 @@
           <a:p>
             <a:fld id="{A520F9FC-AD71-4DDB-AC24-2D4C8BC0A8AB}" type="datetime1">
               <a:rPr lang="sr-Latn-CS" smtClean="0"/>
-              <a:t>15.6.2010</a:t>
+              <a:pPr/>
+              <a:t>16.6.2010</a:t>
             </a:fld>
             <a:endParaRPr lang="hr-HR"/>
           </a:p>
@@ -3313,6 +3335,7 @@
           <a:p>
             <a:fld id="{D7442919-5B2D-493E-8C74-C1A9103AEA28}" type="slidenum">
               <a:rPr lang="hr-HR" smtClean="0"/>
+              <a:pPr/>
               <a:t>‹#›</a:t>
             </a:fld>
             <a:endParaRPr lang="hr-HR"/>
@@ -3472,7 +3495,8 @@
           <a:p>
             <a:fld id="{45A0965B-4429-4A3F-92F2-AAB8C152596C}" type="datetime1">
               <a:rPr lang="sr-Latn-CS" smtClean="0"/>
-              <a:t>15.6.2010</a:t>
+              <a:pPr/>
+              <a:t>16.6.2010</a:t>
             </a:fld>
             <a:endParaRPr lang="hr-HR"/>
           </a:p>
@@ -3541,6 +3565,7 @@
           <a:p>
             <a:fld id="{D7442919-5B2D-493E-8C74-C1A9103AEA28}" type="slidenum">
               <a:rPr lang="hr-HR" smtClean="0"/>
+              <a:pPr/>
               <a:t>‹#›</a:t>
             </a:fld>
             <a:endParaRPr lang="hr-HR"/>
@@ -4585,7 +4610,8 @@
           <a:p>
             <a:fld id="{4D5801EB-C884-499E-AACF-D26A62407F2A}" type="datetime1">
               <a:rPr lang="sr-Latn-CS" smtClean="0"/>
-              <a:t>15.6.2010</a:t>
+              <a:pPr/>
+              <a:t>16.6.2010</a:t>
             </a:fld>
             <a:endParaRPr lang="hr-HR"/>
           </a:p>
@@ -4665,6 +4691,7 @@
           <a:p>
             <a:fld id="{D7442919-5B2D-493E-8C74-C1A9103AEA28}" type="slidenum">
               <a:rPr lang="hr-HR" smtClean="0"/>
+              <a:pPr/>
               <a:t>‹#›</a:t>
             </a:fld>
             <a:endParaRPr lang="hr-HR"/>
@@ -5081,6 +5108,68 @@
 </p:sld>
 </file>
 
+<file path=ppt/slides/slide10.xml><?xml version="1.0" encoding="utf-8"?>
+<p:sld xmlns:a="http://schemas.openxmlformats.org/drawingml/2006/main" xmlns:r="http://schemas.openxmlformats.org/officeDocument/2006/relationships" xmlns:p="http://schemas.openxmlformats.org/presentationml/2006/main">
+  <p:cSld>
+    <p:spTree>
+      <p:nvGrpSpPr>
+        <p:cNvPr id="1" name=""/>
+        <p:cNvGrpSpPr/>
+        <p:nvPr/>
+      </p:nvGrpSpPr>
+      <p:grpSpPr>
+        <a:xfrm>
+          <a:off x="0" y="0"/>
+          <a:ext cx="0" cy="0"/>
+          <a:chOff x="0" y="0"/>
+          <a:chExt cx="0" cy="0"/>
+        </a:xfrm>
+      </p:grpSpPr>
+      <p:sp>
+        <p:nvSpPr>
+          <p:cNvPr id="2" name="Title 1"/>
+          <p:cNvSpPr>
+            <a:spLocks noGrp="1"/>
+          </p:cNvSpPr>
+          <p:nvPr>
+            <p:ph type="title"/>
+          </p:nvPr>
+        </p:nvSpPr>
+        <p:spPr>
+          <a:xfrm>
+            <a:off x="428596" y="285728"/>
+            <a:ext cx="8229600" cy="6072230"/>
+          </a:xfrm>
+        </p:spPr>
+        <p:txBody>
+          <a:bodyPr>
+            <a:normAutofit/>
+          </a:bodyPr>
+          <a:lstStyle/>
+          <a:p>
+            <a:r>
+              <a:rPr lang="hr-HR" sz="4800" dirty="0" smtClean="0"/>
+              <a:t>Hvala na pažnji</a:t>
+            </a:r>
+            <a:endParaRPr lang="hr-HR" sz="4800" dirty="0"/>
+          </a:p>
+        </p:txBody>
+      </p:sp>
+    </p:spTree>
+  </p:cSld>
+  <p:clrMapOvr>
+    <a:masterClrMapping/>
+  </p:clrMapOvr>
+  <p:timing>
+    <p:tnLst>
+      <p:par>
+        <p:cTn id="1" dur="indefinite" restart="never" nodeType="tmRoot"/>
+      </p:par>
+    </p:tnLst>
+  </p:timing>
+</p:sld>
+</file>
+
 <file path=ppt/slides/slide2.xml><?xml version="1.0" encoding="utf-8"?>
 <p:sld xmlns:a="http://schemas.openxmlformats.org/drawingml/2006/main" xmlns:r="http://schemas.openxmlformats.org/officeDocument/2006/relationships" xmlns:p="http://schemas.openxmlformats.org/presentationml/2006/main">
   <p:cSld>
@@ -5190,7 +5279,11 @@
           <a:p>
             <a:r>
               <a:rPr lang="hr-HR" dirty="0" smtClean="0"/>
-              <a:t>1 / 8</a:t>
+              <a:t>1 / </a:t>
+            </a:r>
+            <a:r>
+              <a:rPr lang="hr-HR" dirty="0" smtClean="0"/>
+              <a:t>9</a:t>
             </a:r>
             <a:endParaRPr lang="hr-HR" dirty="0"/>
           </a:p>
@@ -5748,8 +5841,13 @@
           <a:p>
             <a:r>
               <a:rPr lang="hr-HR" dirty="0" smtClean="0"/>
-              <a:t>2 / 8</a:t>
-            </a:r>
+              <a:t>2 / </a:t>
+            </a:r>
+            <a:r>
+              <a:rPr lang="hr-HR" dirty="0" smtClean="0"/>
+              <a:t>9</a:t>
+            </a:r>
+            <a:endParaRPr lang="hr-HR" dirty="0" smtClean="0"/>
           </a:p>
         </p:txBody>
       </p:sp>
@@ -6596,6 +6694,1166 @@
 </file>
 
 <file path=ppt/slides/slide4.xml><?xml version="1.0" encoding="utf-8"?>
+<p:sld xmlns:a="http://schemas.openxmlformats.org/drawingml/2006/main" xmlns:r="http://schemas.openxmlformats.org/officeDocument/2006/relationships" xmlns:p="http://schemas.openxmlformats.org/presentationml/2006/main">
+  <p:cSld>
+    <p:spTree>
+      <p:nvGrpSpPr>
+        <p:cNvPr id="1" name=""/>
+        <p:cNvGrpSpPr/>
+        <p:nvPr/>
+      </p:nvGrpSpPr>
+      <p:grpSpPr>
+        <a:xfrm>
+          <a:off x="0" y="0"/>
+          <a:ext cx="0" cy="0"/>
+          <a:chOff x="0" y="0"/>
+          <a:chExt cx="0" cy="0"/>
+        </a:xfrm>
+      </p:grpSpPr>
+      <p:sp>
+        <p:nvSpPr>
+          <p:cNvPr id="2" name="Content Placeholder 1"/>
+          <p:cNvSpPr>
+            <a:spLocks noGrp="1"/>
+          </p:cNvSpPr>
+          <p:nvPr>
+            <p:ph idx="1"/>
+          </p:nvPr>
+        </p:nvSpPr>
+        <p:spPr>
+          <a:xfrm>
+            <a:off x="457200" y="1481329"/>
+            <a:ext cx="8229600" cy="2090548"/>
+          </a:xfrm>
+        </p:spPr>
+        <p:txBody>
+          <a:bodyPr>
+            <a:normAutofit fontScale="92500" lnSpcReduction="20000"/>
+          </a:bodyPr>
+          <a:lstStyle/>
+          <a:p>
+            <a:r>
+              <a:rPr lang="hr-HR" dirty="0" smtClean="0"/>
+              <a:t>Predviđanje po </a:t>
+            </a:r>
+            <a:r>
+              <a:rPr lang="hr-HR" dirty="0" err="1" smtClean="0"/>
+              <a:t>makroblokovima</a:t>
+            </a:r>
+            <a:endParaRPr lang="hr-HR" dirty="0" smtClean="0"/>
+          </a:p>
+          <a:p>
+            <a:pPr lvl="1"/>
+            <a:r>
+              <a:rPr lang="hr-HR" dirty="0" smtClean="0"/>
+              <a:t>P_16x16, P_16x8, P_8x16, P_8x8, P_</a:t>
+            </a:r>
+            <a:r>
+              <a:rPr lang="hr-HR" dirty="0" err="1" smtClean="0"/>
+              <a:t>Skip</a:t>
+            </a:r>
+            <a:endParaRPr lang="hr-HR" dirty="0" smtClean="0"/>
+          </a:p>
+          <a:p>
+            <a:r>
+              <a:rPr lang="hr-HR" dirty="0" smtClean="0"/>
+              <a:t>Tri koraka izvedbe predviđanja za </a:t>
+            </a:r>
+            <a:r>
+              <a:rPr lang="hr-HR" dirty="0" err="1" smtClean="0"/>
+              <a:t>makroblok</a:t>
+            </a:r>
+            <a:r>
+              <a:rPr lang="hr-HR" dirty="0" smtClean="0"/>
+              <a:t>:</a:t>
+            </a:r>
+          </a:p>
+          <a:p>
+            <a:pPr marL="880110" lvl="1" indent="-514350">
+              <a:buFont typeface="+mj-lt"/>
+              <a:buAutoNum type="arabicPeriod"/>
+            </a:pPr>
+            <a:r>
+              <a:rPr lang="hr-HR" dirty="0" smtClean="0"/>
+              <a:t>Provjera moguće P_</a:t>
+            </a:r>
+            <a:r>
+              <a:rPr lang="hr-HR" dirty="0" err="1" smtClean="0"/>
+              <a:t>Skip</a:t>
+            </a:r>
+            <a:r>
+              <a:rPr lang="hr-HR" dirty="0" smtClean="0"/>
+              <a:t> predikcije</a:t>
+            </a:r>
+          </a:p>
+          <a:p>
+            <a:pPr marL="880110" lvl="1" indent="-514350">
+              <a:buFont typeface="+mj-lt"/>
+              <a:buAutoNum type="arabicPeriod"/>
+            </a:pPr>
+            <a:r>
+              <a:rPr lang="hr-HR" dirty="0" smtClean="0"/>
+              <a:t>Predviđanje pomaka za dijelove </a:t>
+            </a:r>
+            <a:r>
+              <a:rPr lang="hr-HR" dirty="0" err="1" smtClean="0"/>
+              <a:t>makrobloka</a:t>
+            </a:r>
+            <a:endParaRPr lang="hr-HR" dirty="0" smtClean="0"/>
+          </a:p>
+          <a:p>
+            <a:pPr marL="880110" lvl="1" indent="-514350">
+              <a:buFont typeface="+mj-lt"/>
+              <a:buAutoNum type="arabicPeriod"/>
+            </a:pPr>
+            <a:r>
+              <a:rPr lang="hr-HR" dirty="0" smtClean="0"/>
+              <a:t>Spajanje dijelova </a:t>
+            </a:r>
+            <a:r>
+              <a:rPr lang="hr-HR" dirty="0" err="1" smtClean="0"/>
+              <a:t>makrobloka</a:t>
+            </a:r>
+            <a:r>
+              <a:rPr lang="hr-HR" dirty="0" smtClean="0"/>
+              <a:t> za iste pomake</a:t>
+            </a:r>
+            <a:endParaRPr lang="hr-HR" dirty="0"/>
+          </a:p>
+        </p:txBody>
+      </p:sp>
+      <p:sp>
+        <p:nvSpPr>
+          <p:cNvPr id="3" name="Slide Number Placeholder 2"/>
+          <p:cNvSpPr>
+            <a:spLocks noGrp="1"/>
+          </p:cNvSpPr>
+          <p:nvPr>
+            <p:ph type="sldNum" sz="quarter" idx="12"/>
+          </p:nvPr>
+        </p:nvSpPr>
+        <p:spPr>
+          <a:xfrm>
+            <a:off x="8429652" y="6407944"/>
+            <a:ext cx="583380" cy="365125"/>
+          </a:xfrm>
+        </p:spPr>
+        <p:txBody>
+          <a:bodyPr/>
+          <a:lstStyle/>
+          <a:p>
+            <a:r>
+              <a:rPr lang="hr-HR" dirty="0" smtClean="0"/>
+              <a:t>3 / </a:t>
+            </a:r>
+            <a:r>
+              <a:rPr lang="hr-HR" dirty="0" smtClean="0"/>
+              <a:t>9</a:t>
+            </a:r>
+            <a:endParaRPr lang="hr-HR" dirty="0"/>
+          </a:p>
+        </p:txBody>
+      </p:sp>
+      <p:sp>
+        <p:nvSpPr>
+          <p:cNvPr id="4" name="Title 3"/>
+          <p:cNvSpPr>
+            <a:spLocks noGrp="1"/>
+          </p:cNvSpPr>
+          <p:nvPr>
+            <p:ph type="title"/>
+          </p:nvPr>
+        </p:nvSpPr>
+        <p:spPr/>
+        <p:txBody>
+          <a:bodyPr/>
+          <a:lstStyle/>
+          <a:p>
+            <a:r>
+              <a:rPr lang="hr-HR" dirty="0" smtClean="0"/>
+              <a:t>Osnovna izvedba</a:t>
+            </a:r>
+            <a:endParaRPr lang="hr-HR" dirty="0"/>
+          </a:p>
+        </p:txBody>
+      </p:sp>
+      <p:pic>
+        <p:nvPicPr>
+          <p:cNvPr id="1026" name="Picture 2"/>
+          <p:cNvPicPr>
+            <a:picLocks noChangeAspect="1" noChangeArrowheads="1"/>
+          </p:cNvPicPr>
+          <p:nvPr/>
+        </p:nvPicPr>
+        <p:blipFill>
+          <a:blip r:embed="rId2"/>
+          <a:srcRect/>
+          <a:stretch>
+            <a:fillRect/>
+          </a:stretch>
+        </p:blipFill>
+        <p:spPr bwMode="auto">
+          <a:xfrm>
+            <a:off x="928662" y="3500438"/>
+            <a:ext cx="3214710" cy="1762125"/>
+          </a:xfrm>
+          <a:prstGeom prst="rect">
+            <a:avLst/>
+          </a:prstGeom>
+          <a:noFill/>
+          <a:ln w="9525">
+            <a:noFill/>
+            <a:miter lim="800000"/>
+            <a:headEnd/>
+            <a:tailEnd/>
+          </a:ln>
+          <a:effectLst/>
+        </p:spPr>
+      </p:pic>
+      <p:pic>
+        <p:nvPicPr>
+          <p:cNvPr id="1027" name="Picture 3"/>
+          <p:cNvPicPr>
+            <a:picLocks noChangeAspect="1" noChangeArrowheads="1"/>
+          </p:cNvPicPr>
+          <p:nvPr/>
+        </p:nvPicPr>
+        <p:blipFill>
+          <a:blip r:embed="rId3"/>
+          <a:srcRect/>
+          <a:stretch>
+            <a:fillRect/>
+          </a:stretch>
+        </p:blipFill>
+        <p:spPr bwMode="auto">
+          <a:xfrm>
+            <a:off x="928662" y="3500438"/>
+            <a:ext cx="3214710" cy="1800225"/>
+          </a:xfrm>
+          <a:prstGeom prst="rect">
+            <a:avLst/>
+          </a:prstGeom>
+          <a:noFill/>
+          <a:ln w="9525">
+            <a:noFill/>
+            <a:miter lim="800000"/>
+            <a:headEnd/>
+            <a:tailEnd/>
+          </a:ln>
+          <a:effectLst/>
+        </p:spPr>
+      </p:pic>
+      <p:pic>
+        <p:nvPicPr>
+          <p:cNvPr id="1030" name="Picture 6"/>
+          <p:cNvPicPr>
+            <a:picLocks noChangeAspect="1" noChangeArrowheads="1"/>
+          </p:cNvPicPr>
+          <p:nvPr/>
+        </p:nvPicPr>
+        <p:blipFill>
+          <a:blip r:embed="rId4"/>
+          <a:srcRect/>
+          <a:stretch>
+            <a:fillRect/>
+          </a:stretch>
+        </p:blipFill>
+        <p:spPr bwMode="auto">
+          <a:xfrm>
+            <a:off x="5000628" y="4269110"/>
+            <a:ext cx="428628" cy="360048"/>
+          </a:xfrm>
+          <a:prstGeom prst="rect">
+            <a:avLst/>
+          </a:prstGeom>
+          <a:noFill/>
+          <a:ln w="9525">
+            <a:noFill/>
+            <a:miter lim="800000"/>
+            <a:headEnd/>
+            <a:tailEnd/>
+          </a:ln>
+          <a:effectLst/>
+        </p:spPr>
+      </p:pic>
+      <p:pic>
+        <p:nvPicPr>
+          <p:cNvPr id="1031" name="Picture 7"/>
+          <p:cNvPicPr>
+            <a:picLocks noChangeAspect="1" noChangeArrowheads="1"/>
+          </p:cNvPicPr>
+          <p:nvPr/>
+        </p:nvPicPr>
+        <p:blipFill>
+          <a:blip r:embed="rId5"/>
+          <a:srcRect/>
+          <a:stretch>
+            <a:fillRect/>
+          </a:stretch>
+        </p:blipFill>
+        <p:spPr bwMode="auto">
+          <a:xfrm>
+            <a:off x="5715008" y="4269110"/>
+            <a:ext cx="428628" cy="360048"/>
+          </a:xfrm>
+          <a:prstGeom prst="rect">
+            <a:avLst/>
+          </a:prstGeom>
+          <a:noFill/>
+          <a:ln w="9525">
+            <a:noFill/>
+            <a:miter lim="800000"/>
+            <a:headEnd/>
+            <a:tailEnd/>
+          </a:ln>
+          <a:effectLst/>
+        </p:spPr>
+      </p:pic>
+      <p:cxnSp>
+        <p:nvCxnSpPr>
+          <p:cNvPr id="14" name="Straight Arrow Connector 13"/>
+          <p:cNvCxnSpPr>
+            <a:stCxn id="1030" idx="3"/>
+            <a:endCxn id="1031" idx="1"/>
+          </p:cNvCxnSpPr>
+          <p:nvPr/>
+        </p:nvCxnSpPr>
+        <p:spPr>
+          <a:xfrm>
+            <a:off x="5429256" y="4449134"/>
+            <a:ext cx="285752" cy="1588"/>
+          </a:xfrm>
+          <a:prstGeom prst="straightConnector1">
+            <a:avLst/>
+          </a:prstGeom>
+          <a:ln>
+            <a:tailEnd type="arrow"/>
+          </a:ln>
+        </p:spPr>
+        <p:style>
+          <a:lnRef idx="1">
+            <a:schemeClr val="accent1"/>
+          </a:lnRef>
+          <a:fillRef idx="0">
+            <a:schemeClr val="accent1"/>
+          </a:fillRef>
+          <a:effectRef idx="0">
+            <a:schemeClr val="accent1"/>
+          </a:effectRef>
+          <a:fontRef idx="minor">
+            <a:schemeClr val="tx1"/>
+          </a:fontRef>
+        </p:style>
+      </p:cxnSp>
+      <p:cxnSp>
+        <p:nvCxnSpPr>
+          <p:cNvPr id="16" name="Straight Arrow Connector 15"/>
+          <p:cNvCxnSpPr>
+            <a:endCxn id="1030" idx="1"/>
+          </p:cNvCxnSpPr>
+          <p:nvPr/>
+        </p:nvCxnSpPr>
+        <p:spPr>
+          <a:xfrm>
+            <a:off x="1785918" y="3929066"/>
+            <a:ext cx="3214710" cy="520068"/>
+          </a:xfrm>
+          <a:prstGeom prst="straightConnector1">
+            <a:avLst/>
+          </a:prstGeom>
+          <a:ln w="19050">
+            <a:tailEnd type="arrow"/>
+          </a:ln>
+        </p:spPr>
+        <p:style>
+          <a:lnRef idx="1">
+            <a:schemeClr val="accent1"/>
+          </a:lnRef>
+          <a:fillRef idx="0">
+            <a:schemeClr val="accent1"/>
+          </a:fillRef>
+          <a:effectRef idx="0">
+            <a:schemeClr val="accent1"/>
+          </a:effectRef>
+          <a:fontRef idx="minor">
+            <a:schemeClr val="tx1"/>
+          </a:fontRef>
+        </p:style>
+      </p:cxnSp>
+    </p:spTree>
+  </p:cSld>
+  <p:clrMapOvr>
+    <a:masterClrMapping/>
+  </p:clrMapOvr>
+  <p:timing>
+    <p:tnLst>
+      <p:par>
+        <p:cTn id="1" dur="indefinite" restart="never" nodeType="tmRoot">
+          <p:childTnLst>
+            <p:seq concurrent="1" nextAc="seek">
+              <p:cTn id="2" dur="indefinite" nodeType="mainSeq">
+                <p:childTnLst>
+                  <p:par>
+                    <p:cTn id="3" fill="hold">
+                      <p:stCondLst>
+                        <p:cond delay="indefinite"/>
+                      </p:stCondLst>
+                      <p:childTnLst>
+                        <p:par>
+                          <p:cTn id="4" fill="hold">
+                            <p:stCondLst>
+                              <p:cond delay="0"/>
+                            </p:stCondLst>
+                            <p:childTnLst>
+                              <p:par>
+                                <p:cTn id="5" presetID="4" presetClass="entr" presetSubtype="16" fill="hold" nodeType="clickEffect">
+                                  <p:stCondLst>
+                                    <p:cond delay="0"/>
+                                  </p:stCondLst>
+                                  <p:childTnLst>
+                                    <p:set>
+                                      <p:cBhvr>
+                                        <p:cTn id="6" dur="1" fill="hold">
+                                          <p:stCondLst>
+                                            <p:cond delay="0"/>
+                                          </p:stCondLst>
+                                        </p:cTn>
+                                        <p:tgtEl>
+                                          <p:spTgt spid="2">
+                                            <p:txEl>
+                                              <p:pRg st="1" end="1"/>
+                                            </p:txEl>
+                                          </p:spTgt>
+                                        </p:tgtEl>
+                                        <p:attrNameLst>
+                                          <p:attrName>style.visibility</p:attrName>
+                                        </p:attrNameLst>
+                                      </p:cBhvr>
+                                      <p:to>
+                                        <p:strVal val="visible"/>
+                                      </p:to>
+                                    </p:set>
+                                    <p:animEffect transition="in" filter="box(in)">
+                                      <p:cBhvr>
+                                        <p:cTn id="7" dur="500"/>
+                                        <p:tgtEl>
+                                          <p:spTgt spid="2">
+                                            <p:txEl>
+                                              <p:pRg st="1" end="1"/>
+                                            </p:txEl>
+                                          </p:spTgt>
+                                        </p:tgtEl>
+                                      </p:cBhvr>
+                                    </p:animEffect>
+                                  </p:childTnLst>
+                                </p:cTn>
+                              </p:par>
+                            </p:childTnLst>
+                          </p:cTn>
+                        </p:par>
+                      </p:childTnLst>
+                    </p:cTn>
+                  </p:par>
+                  <p:par>
+                    <p:cTn id="8" fill="hold">
+                      <p:stCondLst>
+                        <p:cond delay="indefinite"/>
+                      </p:stCondLst>
+                      <p:childTnLst>
+                        <p:par>
+                          <p:cTn id="9" fill="hold">
+                            <p:stCondLst>
+                              <p:cond delay="0"/>
+                            </p:stCondLst>
+                            <p:childTnLst>
+                              <p:par>
+                                <p:cTn id="10" presetID="4" presetClass="entr" presetSubtype="16" fill="hold" nodeType="clickEffect">
+                                  <p:stCondLst>
+                                    <p:cond delay="0"/>
+                                  </p:stCondLst>
+                                  <p:childTnLst>
+                                    <p:set>
+                                      <p:cBhvr>
+                                        <p:cTn id="11" dur="1" fill="hold">
+                                          <p:stCondLst>
+                                            <p:cond delay="0"/>
+                                          </p:stCondLst>
+                                        </p:cTn>
+                                        <p:tgtEl>
+                                          <p:spTgt spid="2">
+                                            <p:txEl>
+                                              <p:pRg st="2" end="2"/>
+                                            </p:txEl>
+                                          </p:spTgt>
+                                        </p:tgtEl>
+                                        <p:attrNameLst>
+                                          <p:attrName>style.visibility</p:attrName>
+                                        </p:attrNameLst>
+                                      </p:cBhvr>
+                                      <p:to>
+                                        <p:strVal val="visible"/>
+                                      </p:to>
+                                    </p:set>
+                                    <p:animEffect transition="in" filter="box(in)">
+                                      <p:cBhvr>
+                                        <p:cTn id="12" dur="500"/>
+                                        <p:tgtEl>
+                                          <p:spTgt spid="2">
+                                            <p:txEl>
+                                              <p:pRg st="2" end="2"/>
+                                            </p:txEl>
+                                          </p:spTgt>
+                                        </p:tgtEl>
+                                      </p:cBhvr>
+                                    </p:animEffect>
+                                  </p:childTnLst>
+                                </p:cTn>
+                              </p:par>
+                              <p:par>
+                                <p:cTn id="13" presetID="4" presetClass="entr" presetSubtype="16" fill="hold" nodeType="withEffect">
+                                  <p:stCondLst>
+                                    <p:cond delay="0"/>
+                                  </p:stCondLst>
+                                  <p:childTnLst>
+                                    <p:set>
+                                      <p:cBhvr>
+                                        <p:cTn id="14" dur="1" fill="hold">
+                                          <p:stCondLst>
+                                            <p:cond delay="0"/>
+                                          </p:stCondLst>
+                                        </p:cTn>
+                                        <p:tgtEl>
+                                          <p:spTgt spid="2">
+                                            <p:txEl>
+                                              <p:pRg st="3" end="3"/>
+                                            </p:txEl>
+                                          </p:spTgt>
+                                        </p:tgtEl>
+                                        <p:attrNameLst>
+                                          <p:attrName>style.visibility</p:attrName>
+                                        </p:attrNameLst>
+                                      </p:cBhvr>
+                                      <p:to>
+                                        <p:strVal val="visible"/>
+                                      </p:to>
+                                    </p:set>
+                                    <p:animEffect transition="in" filter="box(in)">
+                                      <p:cBhvr>
+                                        <p:cTn id="15" dur="500"/>
+                                        <p:tgtEl>
+                                          <p:spTgt spid="2">
+                                            <p:txEl>
+                                              <p:pRg st="3" end="3"/>
+                                            </p:txEl>
+                                          </p:spTgt>
+                                        </p:tgtEl>
+                                      </p:cBhvr>
+                                    </p:animEffect>
+                                  </p:childTnLst>
+                                </p:cTn>
+                              </p:par>
+                            </p:childTnLst>
+                          </p:cTn>
+                        </p:par>
+                      </p:childTnLst>
+                    </p:cTn>
+                  </p:par>
+                  <p:par>
+                    <p:cTn id="16" fill="hold">
+                      <p:stCondLst>
+                        <p:cond delay="indefinite"/>
+                      </p:stCondLst>
+                      <p:childTnLst>
+                        <p:par>
+                          <p:cTn id="17" fill="hold">
+                            <p:stCondLst>
+                              <p:cond delay="0"/>
+                            </p:stCondLst>
+                            <p:childTnLst>
+                              <p:par>
+                                <p:cTn id="18" presetID="5" presetClass="entr" presetSubtype="10" fill="hold" nodeType="clickEffect">
+                                  <p:stCondLst>
+                                    <p:cond delay="0"/>
+                                  </p:stCondLst>
+                                  <p:childTnLst>
+                                    <p:set>
+                                      <p:cBhvr>
+                                        <p:cTn id="19" dur="1" fill="hold">
+                                          <p:stCondLst>
+                                            <p:cond delay="0"/>
+                                          </p:stCondLst>
+                                        </p:cTn>
+                                        <p:tgtEl>
+                                          <p:spTgt spid="1026"/>
+                                        </p:tgtEl>
+                                        <p:attrNameLst>
+                                          <p:attrName>style.visibility</p:attrName>
+                                        </p:attrNameLst>
+                                      </p:cBhvr>
+                                      <p:to>
+                                        <p:strVal val="visible"/>
+                                      </p:to>
+                                    </p:set>
+                                    <p:animEffect transition="in" filter="checkerboard(across)">
+                                      <p:cBhvr>
+                                        <p:cTn id="20" dur="500"/>
+                                        <p:tgtEl>
+                                          <p:spTgt spid="1026"/>
+                                        </p:tgtEl>
+                                      </p:cBhvr>
+                                    </p:animEffect>
+                                  </p:childTnLst>
+                                </p:cTn>
+                              </p:par>
+                            </p:childTnLst>
+                          </p:cTn>
+                        </p:par>
+                      </p:childTnLst>
+                    </p:cTn>
+                  </p:par>
+                  <p:par>
+                    <p:cTn id="21" fill="hold">
+                      <p:stCondLst>
+                        <p:cond delay="indefinite"/>
+                      </p:stCondLst>
+                      <p:childTnLst>
+                        <p:par>
+                          <p:cTn id="22" fill="hold">
+                            <p:stCondLst>
+                              <p:cond delay="0"/>
+                            </p:stCondLst>
+                            <p:childTnLst>
+                              <p:par>
+                                <p:cTn id="23" presetID="5" presetClass="entr" presetSubtype="10" fill="hold" nodeType="clickEffect">
+                                  <p:stCondLst>
+                                    <p:cond delay="0"/>
+                                  </p:stCondLst>
+                                  <p:childTnLst>
+                                    <p:set>
+                                      <p:cBhvr>
+                                        <p:cTn id="24" dur="1" fill="hold">
+                                          <p:stCondLst>
+                                            <p:cond delay="0"/>
+                                          </p:stCondLst>
+                                        </p:cTn>
+                                        <p:tgtEl>
+                                          <p:spTgt spid="1027"/>
+                                        </p:tgtEl>
+                                        <p:attrNameLst>
+                                          <p:attrName>style.visibility</p:attrName>
+                                        </p:attrNameLst>
+                                      </p:cBhvr>
+                                      <p:to>
+                                        <p:strVal val="visible"/>
+                                      </p:to>
+                                    </p:set>
+                                    <p:animEffect transition="in" filter="checkerboard(across)">
+                                      <p:cBhvr>
+                                        <p:cTn id="25" dur="500"/>
+                                        <p:tgtEl>
+                                          <p:spTgt spid="1027"/>
+                                        </p:tgtEl>
+                                      </p:cBhvr>
+                                    </p:animEffect>
+                                  </p:childTnLst>
+                                </p:cTn>
+                              </p:par>
+                            </p:childTnLst>
+                          </p:cTn>
+                        </p:par>
+                      </p:childTnLst>
+                    </p:cTn>
+                  </p:par>
+                  <p:par>
+                    <p:cTn id="26" fill="hold">
+                      <p:stCondLst>
+                        <p:cond delay="indefinite"/>
+                      </p:stCondLst>
+                      <p:childTnLst>
+                        <p:par>
+                          <p:cTn id="27" fill="hold">
+                            <p:stCondLst>
+                              <p:cond delay="0"/>
+                            </p:stCondLst>
+                            <p:childTnLst>
+                              <p:par>
+                                <p:cTn id="28" presetID="5" presetClass="exit" presetSubtype="10" fill="hold" nodeType="clickEffect">
+                                  <p:stCondLst>
+                                    <p:cond delay="0"/>
+                                  </p:stCondLst>
+                                  <p:childTnLst>
+                                    <p:animEffect transition="out" filter="checkerboard(across)">
+                                      <p:cBhvr>
+                                        <p:cTn id="29" dur="500"/>
+                                        <p:tgtEl>
+                                          <p:spTgt spid="1027"/>
+                                        </p:tgtEl>
+                                      </p:cBhvr>
+                                    </p:animEffect>
+                                    <p:set>
+                                      <p:cBhvr>
+                                        <p:cTn id="30" dur="1" fill="hold">
+                                          <p:stCondLst>
+                                            <p:cond delay="499"/>
+                                          </p:stCondLst>
+                                        </p:cTn>
+                                        <p:tgtEl>
+                                          <p:spTgt spid="1027"/>
+                                        </p:tgtEl>
+                                        <p:attrNameLst>
+                                          <p:attrName>style.visibility</p:attrName>
+                                        </p:attrNameLst>
+                                      </p:cBhvr>
+                                      <p:to>
+                                        <p:strVal val="hidden"/>
+                                      </p:to>
+                                    </p:set>
+                                  </p:childTnLst>
+                                </p:cTn>
+                              </p:par>
+                            </p:childTnLst>
+                          </p:cTn>
+                        </p:par>
+                      </p:childTnLst>
+                    </p:cTn>
+                  </p:par>
+                  <p:par>
+                    <p:cTn id="31" fill="hold">
+                      <p:stCondLst>
+                        <p:cond delay="indefinite"/>
+                      </p:stCondLst>
+                      <p:childTnLst>
+                        <p:par>
+                          <p:cTn id="32" fill="hold">
+                            <p:stCondLst>
+                              <p:cond delay="0"/>
+                            </p:stCondLst>
+                            <p:childTnLst>
+                              <p:par>
+                                <p:cTn id="33" presetID="5" presetClass="entr" presetSubtype="10" fill="hold" nodeType="clickEffect">
+                                  <p:stCondLst>
+                                    <p:cond delay="0"/>
+                                  </p:stCondLst>
+                                  <p:childTnLst>
+                                    <p:set>
+                                      <p:cBhvr>
+                                        <p:cTn id="34" dur="1" fill="hold">
+                                          <p:stCondLst>
+                                            <p:cond delay="0"/>
+                                          </p:stCondLst>
+                                        </p:cTn>
+                                        <p:tgtEl>
+                                          <p:spTgt spid="1027"/>
+                                        </p:tgtEl>
+                                        <p:attrNameLst>
+                                          <p:attrName>style.visibility</p:attrName>
+                                        </p:attrNameLst>
+                                      </p:cBhvr>
+                                      <p:to>
+                                        <p:strVal val="visible"/>
+                                      </p:to>
+                                    </p:set>
+                                    <p:animEffect transition="in" filter="checkerboard(across)">
+                                      <p:cBhvr>
+                                        <p:cTn id="35" dur="500"/>
+                                        <p:tgtEl>
+                                          <p:spTgt spid="1027"/>
+                                        </p:tgtEl>
+                                      </p:cBhvr>
+                                    </p:animEffect>
+                                  </p:childTnLst>
+                                </p:cTn>
+                              </p:par>
+                            </p:childTnLst>
+                          </p:cTn>
+                        </p:par>
+                      </p:childTnLst>
+                    </p:cTn>
+                  </p:par>
+                  <p:par>
+                    <p:cTn id="36" fill="hold">
+                      <p:stCondLst>
+                        <p:cond delay="indefinite"/>
+                      </p:stCondLst>
+                      <p:childTnLst>
+                        <p:par>
+                          <p:cTn id="37" fill="hold">
+                            <p:stCondLst>
+                              <p:cond delay="0"/>
+                            </p:stCondLst>
+                            <p:childTnLst>
+                              <p:par>
+                                <p:cTn id="38" presetID="5" presetClass="exit" presetSubtype="10" fill="hold" nodeType="clickEffect">
+                                  <p:stCondLst>
+                                    <p:cond delay="0"/>
+                                  </p:stCondLst>
+                                  <p:childTnLst>
+                                    <p:animEffect transition="out" filter="checkerboard(across)">
+                                      <p:cBhvr>
+                                        <p:cTn id="39" dur="500"/>
+                                        <p:tgtEl>
+                                          <p:spTgt spid="1027"/>
+                                        </p:tgtEl>
+                                      </p:cBhvr>
+                                    </p:animEffect>
+                                    <p:set>
+                                      <p:cBhvr>
+                                        <p:cTn id="40" dur="1" fill="hold">
+                                          <p:stCondLst>
+                                            <p:cond delay="499"/>
+                                          </p:stCondLst>
+                                        </p:cTn>
+                                        <p:tgtEl>
+                                          <p:spTgt spid="1027"/>
+                                        </p:tgtEl>
+                                        <p:attrNameLst>
+                                          <p:attrName>style.visibility</p:attrName>
+                                        </p:attrNameLst>
+                                      </p:cBhvr>
+                                      <p:to>
+                                        <p:strVal val="hidden"/>
+                                      </p:to>
+                                    </p:set>
+                                  </p:childTnLst>
+                                </p:cTn>
+                              </p:par>
+                              <p:par>
+                                <p:cTn id="41" presetID="4" presetClass="entr" presetSubtype="16" fill="hold" nodeType="withEffect">
+                                  <p:stCondLst>
+                                    <p:cond delay="0"/>
+                                  </p:stCondLst>
+                                  <p:childTnLst>
+                                    <p:set>
+                                      <p:cBhvr>
+                                        <p:cTn id="42" dur="1" fill="hold">
+                                          <p:stCondLst>
+                                            <p:cond delay="0"/>
+                                          </p:stCondLst>
+                                        </p:cTn>
+                                        <p:tgtEl>
+                                          <p:spTgt spid="2">
+                                            <p:txEl>
+                                              <p:pRg st="4" end="4"/>
+                                            </p:txEl>
+                                          </p:spTgt>
+                                        </p:tgtEl>
+                                        <p:attrNameLst>
+                                          <p:attrName>style.visibility</p:attrName>
+                                        </p:attrNameLst>
+                                      </p:cBhvr>
+                                      <p:to>
+                                        <p:strVal val="visible"/>
+                                      </p:to>
+                                    </p:set>
+                                    <p:animEffect transition="in" filter="box(in)">
+                                      <p:cBhvr>
+                                        <p:cTn id="43" dur="500"/>
+                                        <p:tgtEl>
+                                          <p:spTgt spid="2">
+                                            <p:txEl>
+                                              <p:pRg st="4" end="4"/>
+                                            </p:txEl>
+                                          </p:spTgt>
+                                        </p:tgtEl>
+                                      </p:cBhvr>
+                                    </p:animEffect>
+                                  </p:childTnLst>
+                                </p:cTn>
+                              </p:par>
+                              <p:par>
+                                <p:cTn id="44" presetID="3" presetClass="entr" presetSubtype="10" fill="hold" nodeType="withEffect">
+                                  <p:stCondLst>
+                                    <p:cond delay="0"/>
+                                  </p:stCondLst>
+                                  <p:childTnLst>
+                                    <p:set>
+                                      <p:cBhvr>
+                                        <p:cTn id="45" dur="1" fill="hold">
+                                          <p:stCondLst>
+                                            <p:cond delay="0"/>
+                                          </p:stCondLst>
+                                        </p:cTn>
+                                        <p:tgtEl>
+                                          <p:spTgt spid="16"/>
+                                        </p:tgtEl>
+                                        <p:attrNameLst>
+                                          <p:attrName>style.visibility</p:attrName>
+                                        </p:attrNameLst>
+                                      </p:cBhvr>
+                                      <p:to>
+                                        <p:strVal val="visible"/>
+                                      </p:to>
+                                    </p:set>
+                                    <p:animEffect transition="in" filter="blinds(horizontal)">
+                                      <p:cBhvr>
+                                        <p:cTn id="46" dur="500"/>
+                                        <p:tgtEl>
+                                          <p:spTgt spid="16"/>
+                                        </p:tgtEl>
+                                      </p:cBhvr>
+                                    </p:animEffect>
+                                  </p:childTnLst>
+                                </p:cTn>
+                              </p:par>
+                              <p:par>
+                                <p:cTn id="47" presetID="5" presetClass="entr" presetSubtype="10" fill="hold" nodeType="withEffect">
+                                  <p:stCondLst>
+                                    <p:cond delay="0"/>
+                                  </p:stCondLst>
+                                  <p:childTnLst>
+                                    <p:set>
+                                      <p:cBhvr>
+                                        <p:cTn id="48" dur="1" fill="hold">
+                                          <p:stCondLst>
+                                            <p:cond delay="0"/>
+                                          </p:stCondLst>
+                                        </p:cTn>
+                                        <p:tgtEl>
+                                          <p:spTgt spid="1030"/>
+                                        </p:tgtEl>
+                                        <p:attrNameLst>
+                                          <p:attrName>style.visibility</p:attrName>
+                                        </p:attrNameLst>
+                                      </p:cBhvr>
+                                      <p:to>
+                                        <p:strVal val="visible"/>
+                                      </p:to>
+                                    </p:set>
+                                    <p:animEffect transition="in" filter="checkerboard(across)">
+                                      <p:cBhvr>
+                                        <p:cTn id="49" dur="500"/>
+                                        <p:tgtEl>
+                                          <p:spTgt spid="1030"/>
+                                        </p:tgtEl>
+                                      </p:cBhvr>
+                                    </p:animEffect>
+                                  </p:childTnLst>
+                                </p:cTn>
+                              </p:par>
+                            </p:childTnLst>
+                          </p:cTn>
+                        </p:par>
+                      </p:childTnLst>
+                    </p:cTn>
+                  </p:par>
+                  <p:par>
+                    <p:cTn id="50" fill="hold">
+                      <p:stCondLst>
+                        <p:cond delay="indefinite"/>
+                      </p:stCondLst>
+                      <p:childTnLst>
+                        <p:par>
+                          <p:cTn id="51" fill="hold">
+                            <p:stCondLst>
+                              <p:cond delay="0"/>
+                            </p:stCondLst>
+                            <p:childTnLst>
+                              <p:par>
+                                <p:cTn id="52" presetID="4" presetClass="entr" presetSubtype="16" fill="hold" nodeType="clickEffect">
+                                  <p:stCondLst>
+                                    <p:cond delay="0"/>
+                                  </p:stCondLst>
+                                  <p:childTnLst>
+                                    <p:set>
+                                      <p:cBhvr>
+                                        <p:cTn id="53" dur="1" fill="hold">
+                                          <p:stCondLst>
+                                            <p:cond delay="0"/>
+                                          </p:stCondLst>
+                                        </p:cTn>
+                                        <p:tgtEl>
+                                          <p:spTgt spid="2">
+                                            <p:txEl>
+                                              <p:pRg st="5" end="5"/>
+                                            </p:txEl>
+                                          </p:spTgt>
+                                        </p:tgtEl>
+                                        <p:attrNameLst>
+                                          <p:attrName>style.visibility</p:attrName>
+                                        </p:attrNameLst>
+                                      </p:cBhvr>
+                                      <p:to>
+                                        <p:strVal val="visible"/>
+                                      </p:to>
+                                    </p:set>
+                                    <p:animEffect transition="in" filter="box(in)">
+                                      <p:cBhvr>
+                                        <p:cTn id="54" dur="500"/>
+                                        <p:tgtEl>
+                                          <p:spTgt spid="2">
+                                            <p:txEl>
+                                              <p:pRg st="5" end="5"/>
+                                            </p:txEl>
+                                          </p:spTgt>
+                                        </p:tgtEl>
+                                      </p:cBhvr>
+                                    </p:animEffect>
+                                  </p:childTnLst>
+                                </p:cTn>
+                              </p:par>
+                              <p:par>
+                                <p:cTn id="55" presetID="5" presetClass="entr" presetSubtype="10" fill="hold" nodeType="withEffect">
+                                  <p:stCondLst>
+                                    <p:cond delay="0"/>
+                                  </p:stCondLst>
+                                  <p:childTnLst>
+                                    <p:set>
+                                      <p:cBhvr>
+                                        <p:cTn id="56" dur="1" fill="hold">
+                                          <p:stCondLst>
+                                            <p:cond delay="0"/>
+                                          </p:stCondLst>
+                                        </p:cTn>
+                                        <p:tgtEl>
+                                          <p:spTgt spid="1031"/>
+                                        </p:tgtEl>
+                                        <p:attrNameLst>
+                                          <p:attrName>style.visibility</p:attrName>
+                                        </p:attrNameLst>
+                                      </p:cBhvr>
+                                      <p:to>
+                                        <p:strVal val="visible"/>
+                                      </p:to>
+                                    </p:set>
+                                    <p:animEffect transition="in" filter="checkerboard(across)">
+                                      <p:cBhvr>
+                                        <p:cTn id="57" dur="500"/>
+                                        <p:tgtEl>
+                                          <p:spTgt spid="1031"/>
+                                        </p:tgtEl>
+                                      </p:cBhvr>
+                                    </p:animEffect>
+                                  </p:childTnLst>
+                                </p:cTn>
+                              </p:par>
+                              <p:par>
+                                <p:cTn id="58" presetID="5" presetClass="entr" presetSubtype="10" fill="hold" nodeType="withEffect">
+                                  <p:stCondLst>
+                                    <p:cond delay="0"/>
+                                  </p:stCondLst>
+                                  <p:childTnLst>
+                                    <p:set>
+                                      <p:cBhvr>
+                                        <p:cTn id="59" dur="1" fill="hold">
+                                          <p:stCondLst>
+                                            <p:cond delay="0"/>
+                                          </p:stCondLst>
+                                        </p:cTn>
+                                        <p:tgtEl>
+                                          <p:spTgt spid="14"/>
+                                        </p:tgtEl>
+                                        <p:attrNameLst>
+                                          <p:attrName>style.visibility</p:attrName>
+                                        </p:attrNameLst>
+                                      </p:cBhvr>
+                                      <p:to>
+                                        <p:strVal val="visible"/>
+                                      </p:to>
+                                    </p:set>
+                                    <p:animEffect transition="in" filter="checkerboard(across)">
+                                      <p:cBhvr>
+                                        <p:cTn id="60" dur="500"/>
+                                        <p:tgtEl>
+                                          <p:spTgt spid="14"/>
+                                        </p:tgtEl>
+                                      </p:cBhvr>
+                                    </p:animEffect>
+                                  </p:childTnLst>
+                                </p:cTn>
+                              </p:par>
+                            </p:childTnLst>
+                          </p:cTn>
+                        </p:par>
+                      </p:childTnLst>
+                    </p:cTn>
+                  </p:par>
+                  <p:par>
+                    <p:cTn id="61" fill="hold">
+                      <p:stCondLst>
+                        <p:cond delay="indefinite"/>
+                      </p:stCondLst>
+                      <p:childTnLst>
+                        <p:par>
+                          <p:cTn id="62" fill="hold">
+                            <p:stCondLst>
+                              <p:cond delay="0"/>
+                            </p:stCondLst>
+                            <p:childTnLst>
+                              <p:par>
+                                <p:cTn id="63" presetID="3" presetClass="entr" presetSubtype="10" fill="hold" nodeType="clickEffect">
+                                  <p:stCondLst>
+                                    <p:cond delay="0"/>
+                                  </p:stCondLst>
+                                  <p:childTnLst>
+                                    <p:set>
+                                      <p:cBhvr>
+                                        <p:cTn id="64" dur="1" fill="hold">
+                                          <p:stCondLst>
+                                            <p:cond delay="0"/>
+                                          </p:stCondLst>
+                                        </p:cTn>
+                                        <p:tgtEl>
+                                          <p:spTgt spid="2">
+                                            <p:txEl>
+                                              <p:pRg st="4" end="4"/>
+                                            </p:txEl>
+                                          </p:spTgt>
+                                        </p:tgtEl>
+                                        <p:attrNameLst>
+                                          <p:attrName>style.visibility</p:attrName>
+                                        </p:attrNameLst>
+                                      </p:cBhvr>
+                                      <p:to>
+                                        <p:strVal val="visible"/>
+                                      </p:to>
+                                    </p:set>
+                                    <p:animEffect transition="in" filter="blinds(horizontal)">
+                                      <p:cBhvr>
+                                        <p:cTn id="65" dur="500"/>
+                                        <p:tgtEl>
+                                          <p:spTgt spid="2">
+                                            <p:txEl>
+                                              <p:pRg st="4" end="4"/>
+                                            </p:txEl>
+                                          </p:spTgt>
+                                        </p:tgtEl>
+                                      </p:cBhvr>
+                                    </p:animEffect>
+                                  </p:childTnLst>
+                                </p:cTn>
+                              </p:par>
+                            </p:childTnLst>
+                          </p:cTn>
+                        </p:par>
+                      </p:childTnLst>
+                    </p:cTn>
+                  </p:par>
+                </p:childTnLst>
+              </p:cTn>
+              <p:prevCondLst>
+                <p:cond evt="onPrev" delay="0">
+                  <p:tgtEl>
+                    <p:sldTgt/>
+                  </p:tgtEl>
+                </p:cond>
+              </p:prevCondLst>
+              <p:nextCondLst>
+                <p:cond evt="onNext" delay="0">
+                  <p:tgtEl>
+                    <p:sldTgt/>
+                  </p:tgtEl>
+                </p:cond>
+              </p:nextCondLst>
+            </p:seq>
+          </p:childTnLst>
+        </p:cTn>
+      </p:par>
+    </p:tnLst>
+  </p:timing>
+</p:sld>
+</file>
+
+<file path=ppt/slides/slide5.xml><?xml version="1.0" encoding="utf-8"?>
 <p:sld xmlns:a="http://schemas.openxmlformats.org/drawingml/2006/main" xmlns:r="http://schemas.openxmlformats.org/officeDocument/2006/relationships" xmlns:p="http://schemas.openxmlformats.org/presentationml/2006/main">
   <p:cSld>
     <p:spTree>
@@ -6862,11 +8120,19 @@
           <a:p>
             <a:r>
               <a:rPr lang="hr-HR" dirty="0" smtClean="0"/>
-              <a:t>3</a:t>
+              <a:t>4</a:t>
             </a:r>
             <a:r>
               <a:rPr lang="hr-HR" dirty="0" smtClean="0"/>
-              <a:t> / 8</a:t>
+              <a:t> </a:t>
+            </a:r>
+            <a:r>
+              <a:rPr lang="hr-HR" dirty="0" smtClean="0"/>
+              <a:t>/ </a:t>
+            </a:r>
+            <a:r>
+              <a:rPr lang="hr-HR" dirty="0" smtClean="0"/>
+              <a:t>9</a:t>
             </a:r>
             <a:endParaRPr lang="hr-HR" dirty="0"/>
           </a:p>
@@ -7364,7 +8630,7 @@
 </p:sld>
 </file>
 
-<file path=ppt/slides/slide5.xml><?xml version="1.0" encoding="utf-8"?>
+<file path=ppt/slides/slide6.xml><?xml version="1.0" encoding="utf-8"?>
 <p:sld xmlns:a="http://schemas.openxmlformats.org/drawingml/2006/main" xmlns:r="http://schemas.openxmlformats.org/officeDocument/2006/relationships" xmlns:p="http://schemas.openxmlformats.org/presentationml/2006/main">
   <p:cSld>
     <p:spTree>
@@ -7576,7 +8842,11 @@
           <a:p>
             <a:r>
               <a:rPr lang="hr-HR" dirty="0" smtClean="0"/>
-              <a:t>4 / 8</a:t>
+              <a:t>5/ </a:t>
+            </a:r>
+            <a:r>
+              <a:rPr lang="hr-HR" dirty="0" smtClean="0"/>
+              <a:t>9</a:t>
             </a:r>
             <a:endParaRPr lang="hr-HR" dirty="0"/>
           </a:p>
@@ -7898,7 +9168,7 @@
 </p:sld>
 </file>
 
-<file path=ppt/slides/slide6.xml><?xml version="1.0" encoding="utf-8"?>
+<file path=ppt/slides/slide7.xml><?xml version="1.0" encoding="utf-8"?>
 <p:sld xmlns:a="http://schemas.openxmlformats.org/drawingml/2006/main" xmlns:r="http://schemas.openxmlformats.org/officeDocument/2006/relationships" xmlns:p="http://schemas.openxmlformats.org/presentationml/2006/main">
   <p:cSld>
     <p:spTree>
@@ -7966,11 +9236,7 @@
             </a:r>
             <a:r>
               <a:rPr lang="hr-HR" dirty="0" smtClean="0"/>
-              <a:t> - </a:t>
-            </a:r>
-            <a:r>
-              <a:rPr lang="hr-HR" dirty="0" smtClean="0"/>
-              <a:t>sortedSuma0</a:t>
+              <a:t> - sortedSuma0</a:t>
             </a:r>
             <a:endParaRPr lang="hr-HR" i="1" dirty="0" smtClean="0"/>
           </a:p>
@@ -8141,7 +9407,19 @@
           <a:p>
             <a:r>
               <a:rPr lang="hr-HR" dirty="0" smtClean="0"/>
-              <a:t>5 / 8</a:t>
+              <a:t>6</a:t>
+            </a:r>
+            <a:r>
+              <a:rPr lang="hr-HR" dirty="0" smtClean="0"/>
+              <a:t> </a:t>
+            </a:r>
+            <a:r>
+              <a:rPr lang="hr-HR" dirty="0" smtClean="0"/>
+              <a:t>/ </a:t>
+            </a:r>
+            <a:r>
+              <a:rPr lang="hr-HR" dirty="0" smtClean="0"/>
+              <a:t>9</a:t>
             </a:r>
             <a:endParaRPr lang="hr-HR" dirty="0"/>
           </a:p>
@@ -9528,7 +10806,7 @@
 </p:sld>
 </file>
 
-<file path=ppt/slides/slide7.xml><?xml version="1.0" encoding="utf-8"?>
+<file path=ppt/slides/slide8.xml><?xml version="1.0" encoding="utf-8"?>
 <p:sld xmlns:a="http://schemas.openxmlformats.org/drawingml/2006/main" xmlns:r="http://schemas.openxmlformats.org/officeDocument/2006/relationships" xmlns:p="http://schemas.openxmlformats.org/presentationml/2006/main">
   <p:cSld>
     <p:spTree>
@@ -9777,7 +11055,15 @@
           <a:p>
             <a:r>
               <a:rPr lang="hr-HR" dirty="0" smtClean="0"/>
-              <a:t>6 / 8</a:t>
+              <a:t>7 </a:t>
+            </a:r>
+            <a:r>
+              <a:rPr lang="hr-HR" dirty="0" smtClean="0"/>
+              <a:t>/ </a:t>
+            </a:r>
+            <a:r>
+              <a:rPr lang="hr-HR" dirty="0" smtClean="0"/>
+              <a:t>9</a:t>
             </a:r>
             <a:endParaRPr lang="hr-HR" dirty="0"/>
           </a:p>
@@ -10051,706 +11337,6 @@
                                         <p:strVal val="hidden"/>
                                       </p:to>
                                     </p:set>
-                                  </p:childTnLst>
-                                </p:cTn>
-                              </p:par>
-                            </p:childTnLst>
-                          </p:cTn>
-                        </p:par>
-                      </p:childTnLst>
-                    </p:cTn>
-                  </p:par>
-                </p:childTnLst>
-              </p:cTn>
-              <p:prevCondLst>
-                <p:cond evt="onPrev" delay="0">
-                  <p:tgtEl>
-                    <p:sldTgt/>
-                  </p:tgtEl>
-                </p:cond>
-              </p:prevCondLst>
-              <p:nextCondLst>
-                <p:cond evt="onNext" delay="0">
-                  <p:tgtEl>
-                    <p:sldTgt/>
-                  </p:tgtEl>
-                </p:cond>
-              </p:nextCondLst>
-            </p:seq>
-          </p:childTnLst>
-        </p:cTn>
-      </p:par>
-    </p:tnLst>
-  </p:timing>
-</p:sld>
-</file>
-
-<file path=ppt/slides/slide8.xml><?xml version="1.0" encoding="utf-8"?>
-<p:sld xmlns:a="http://schemas.openxmlformats.org/drawingml/2006/main" xmlns:r="http://schemas.openxmlformats.org/officeDocument/2006/relationships" xmlns:p="http://schemas.openxmlformats.org/presentationml/2006/main">
-  <p:cSld>
-    <p:spTree>
-      <p:nvGrpSpPr>
-        <p:cNvPr id="1" name=""/>
-        <p:cNvGrpSpPr/>
-        <p:nvPr/>
-      </p:nvGrpSpPr>
-      <p:grpSpPr>
-        <a:xfrm>
-          <a:off x="0" y="0"/>
-          <a:ext cx="0" cy="0"/>
-          <a:chOff x="0" y="0"/>
-          <a:chExt cx="0" cy="0"/>
-        </a:xfrm>
-      </p:grpSpPr>
-      <p:sp>
-        <p:nvSpPr>
-          <p:cNvPr id="3" name="Content Placeholder 2"/>
-          <p:cNvSpPr>
-            <a:spLocks noGrp="1"/>
-          </p:cNvSpPr>
-          <p:nvPr>
-            <p:ph idx="1"/>
-          </p:nvPr>
-        </p:nvSpPr>
-        <p:spPr/>
-        <p:txBody>
-          <a:bodyPr>
-            <a:normAutofit fontScale="92500" lnSpcReduction="10000"/>
-          </a:bodyPr>
-          <a:lstStyle/>
-          <a:p>
-            <a:r>
-              <a:rPr lang="hr-HR" dirty="0" err="1" smtClean="0"/>
-              <a:t>Inter</a:t>
-            </a:r>
-            <a:r>
-              <a:rPr lang="hr-HR" dirty="0" smtClean="0"/>
-              <a:t> predikcija je računski vrlo zahtjevna</a:t>
-            </a:r>
-          </a:p>
-          <a:p>
-            <a:pPr lvl="1"/>
-            <a:r>
-              <a:rPr lang="hr-HR" dirty="0" smtClean="0"/>
-              <a:t>Veliki broj mogućih pomaka</a:t>
-            </a:r>
-          </a:p>
-          <a:p>
-            <a:pPr lvl="1"/>
-            <a:r>
-              <a:rPr lang="hr-HR" dirty="0" smtClean="0"/>
-              <a:t>Rekonstrukcija dijelova slike – potrebna interpolacija za pomaka kraće od širine </a:t>
-            </a:r>
-            <a:r>
-              <a:rPr lang="hr-HR" dirty="0" err="1" smtClean="0"/>
-              <a:t>piksela</a:t>
-            </a:r>
-            <a:endParaRPr lang="hr-HR" dirty="0" smtClean="0"/>
-          </a:p>
-          <a:p>
-            <a:r>
-              <a:rPr lang="hr-HR" dirty="0" smtClean="0"/>
-              <a:t>Optimiranje predviđanja</a:t>
-            </a:r>
-          </a:p>
-          <a:p>
-            <a:pPr lvl="1"/>
-            <a:r>
-              <a:rPr lang="hr-HR" dirty="0" smtClean="0"/>
-              <a:t>Izračun vrijednosti svjetline i boje na svim pozicijama referentne slike</a:t>
-            </a:r>
-          </a:p>
-          <a:p>
-            <a:pPr lvl="1"/>
-            <a:r>
-              <a:rPr lang="hr-HR" dirty="0" smtClean="0"/>
-              <a:t>Tri tipa pomaka</a:t>
-            </a:r>
-            <a:r>
-              <a:rPr lang="hr-HR" smtClean="0"/>
-              <a:t>: slični susjednima</a:t>
-            </a:r>
-            <a:r>
-              <a:rPr lang="hr-HR" dirty="0" smtClean="0"/>
-              <a:t>, kratki, dugi</a:t>
-            </a:r>
-          </a:p>
-          <a:p>
-            <a:pPr lvl="1"/>
-            <a:r>
-              <a:rPr lang="hr-HR" dirty="0" smtClean="0"/>
-              <a:t>Višestruki odabir potencijalnih i najboljeg vektora pomaka temeljem karakteristika bloka</a:t>
-            </a:r>
-          </a:p>
-          <a:p>
-            <a:r>
-              <a:rPr lang="hr-HR" dirty="0" smtClean="0"/>
-              <a:t>Rezultati optimiranja</a:t>
-            </a:r>
-          </a:p>
-          <a:p>
-            <a:pPr lvl="1"/>
-            <a:r>
-              <a:rPr lang="hr-HR" dirty="0" smtClean="0"/>
-              <a:t>Brža provjera dobrote vektora pomaka – veća brzina</a:t>
-            </a:r>
-          </a:p>
-          <a:p>
-            <a:pPr lvl="1"/>
-            <a:r>
-              <a:rPr lang="hr-HR" dirty="0" smtClean="0"/>
-              <a:t>Detekcija dalekih pomaka – veća kompresija</a:t>
-            </a:r>
-          </a:p>
-          <a:p>
-            <a:pPr lvl="1"/>
-            <a:endParaRPr lang="hr-HR" dirty="0" smtClean="0"/>
-          </a:p>
-        </p:txBody>
-      </p:sp>
-      <p:sp>
-        <p:nvSpPr>
-          <p:cNvPr id="2" name="Title 1"/>
-          <p:cNvSpPr>
-            <a:spLocks noGrp="1"/>
-          </p:cNvSpPr>
-          <p:nvPr>
-            <p:ph type="title"/>
-          </p:nvPr>
-        </p:nvSpPr>
-        <p:spPr/>
-        <p:txBody>
-          <a:bodyPr/>
-          <a:lstStyle/>
-          <a:p>
-            <a:r>
-              <a:rPr lang="hr-HR" dirty="0" smtClean="0"/>
-              <a:t>Zaključak</a:t>
-            </a:r>
-            <a:endParaRPr lang="hr-HR" dirty="0"/>
-          </a:p>
-        </p:txBody>
-      </p:sp>
-      <p:sp>
-        <p:nvSpPr>
-          <p:cNvPr id="4" name="Slide Number Placeholder 3"/>
-          <p:cNvSpPr>
-            <a:spLocks noGrp="1"/>
-          </p:cNvSpPr>
-          <p:nvPr>
-            <p:ph type="sldNum" sz="quarter" idx="12"/>
-          </p:nvPr>
-        </p:nvSpPr>
-        <p:spPr>
-          <a:xfrm>
-            <a:off x="8429652" y="6407944"/>
-            <a:ext cx="583380" cy="365125"/>
-          </a:xfrm>
-        </p:spPr>
-        <p:txBody>
-          <a:bodyPr/>
-          <a:lstStyle/>
-          <a:p>
-            <a:r>
-              <a:rPr lang="hr-HR" dirty="0" smtClean="0"/>
-              <a:t>7 / </a:t>
-            </a:r>
-            <a:fld id="{D7442919-5B2D-493E-8C74-C1A9103AEA28}" type="slidenum">
-              <a:rPr lang="hr-HR" smtClean="0"/>
-              <a:t>8</a:t>
-            </a:fld>
-            <a:endParaRPr lang="hr-HR" dirty="0"/>
-          </a:p>
-        </p:txBody>
-      </p:sp>
-    </p:spTree>
-  </p:cSld>
-  <p:clrMapOvr>
-    <a:masterClrMapping/>
-  </p:clrMapOvr>
-  <p:timing>
-    <p:tnLst>
-      <p:par>
-        <p:cTn id="1" dur="indefinite" restart="never" nodeType="tmRoot">
-          <p:childTnLst>
-            <p:seq concurrent="1" nextAc="seek">
-              <p:cTn id="2" dur="indefinite" nodeType="mainSeq">
-                <p:childTnLst>
-                  <p:par>
-                    <p:cTn id="3" fill="hold">
-                      <p:stCondLst>
-                        <p:cond delay="indefinite"/>
-                      </p:stCondLst>
-                      <p:childTnLst>
-                        <p:par>
-                          <p:cTn id="4" fill="hold">
-                            <p:stCondLst>
-                              <p:cond delay="0"/>
-                            </p:stCondLst>
-                            <p:childTnLst>
-                              <p:par>
-                                <p:cTn id="5" presetID="5" presetClass="entr" presetSubtype="10" fill="hold" nodeType="clickEffect">
-                                  <p:stCondLst>
-                                    <p:cond delay="0"/>
-                                  </p:stCondLst>
-                                  <p:childTnLst>
-                                    <p:set>
-                                      <p:cBhvr>
-                                        <p:cTn id="6" dur="1" fill="hold">
-                                          <p:stCondLst>
-                                            <p:cond delay="0"/>
-                                          </p:stCondLst>
-                                        </p:cTn>
-                                        <p:tgtEl>
-                                          <p:spTgt spid="3">
-                                            <p:txEl>
-                                              <p:pRg st="0" end="0"/>
-                                            </p:txEl>
-                                          </p:spTgt>
-                                        </p:tgtEl>
-                                        <p:attrNameLst>
-                                          <p:attrName>style.visibility</p:attrName>
-                                        </p:attrNameLst>
-                                      </p:cBhvr>
-                                      <p:to>
-                                        <p:strVal val="visible"/>
-                                      </p:to>
-                                    </p:set>
-                                    <p:animEffect transition="in" filter="checkerboard(across)">
-                                      <p:cBhvr>
-                                        <p:cTn id="7" dur="500"/>
-                                        <p:tgtEl>
-                                          <p:spTgt spid="3">
-                                            <p:txEl>
-                                              <p:pRg st="0" end="0"/>
-                                            </p:txEl>
-                                          </p:spTgt>
-                                        </p:tgtEl>
-                                      </p:cBhvr>
-                                    </p:animEffect>
-                                  </p:childTnLst>
-                                </p:cTn>
-                              </p:par>
-                              <p:par>
-                                <p:cTn id="8" presetID="5" presetClass="entr" presetSubtype="10" fill="hold" nodeType="withEffect">
-                                  <p:stCondLst>
-                                    <p:cond delay="0"/>
-                                  </p:stCondLst>
-                                  <p:childTnLst>
-                                    <p:set>
-                                      <p:cBhvr>
-                                        <p:cTn id="9" dur="1" fill="hold">
-                                          <p:stCondLst>
-                                            <p:cond delay="0"/>
-                                          </p:stCondLst>
-                                        </p:cTn>
-                                        <p:tgtEl>
-                                          <p:spTgt spid="3">
-                                            <p:txEl>
-                                              <p:pRg st="1" end="1"/>
-                                            </p:txEl>
-                                          </p:spTgt>
-                                        </p:tgtEl>
-                                        <p:attrNameLst>
-                                          <p:attrName>style.visibility</p:attrName>
-                                        </p:attrNameLst>
-                                      </p:cBhvr>
-                                      <p:to>
-                                        <p:strVal val="visible"/>
-                                      </p:to>
-                                    </p:set>
-                                    <p:animEffect transition="in" filter="checkerboard(across)">
-                                      <p:cBhvr>
-                                        <p:cTn id="10" dur="500"/>
-                                        <p:tgtEl>
-                                          <p:spTgt spid="3">
-                                            <p:txEl>
-                                              <p:pRg st="1" end="1"/>
-                                            </p:txEl>
-                                          </p:spTgt>
-                                        </p:tgtEl>
-                                      </p:cBhvr>
-                                    </p:animEffect>
-                                  </p:childTnLst>
-                                </p:cTn>
-                              </p:par>
-                              <p:par>
-                                <p:cTn id="11" presetID="5" presetClass="entr" presetSubtype="10" fill="hold" nodeType="withEffect">
-                                  <p:stCondLst>
-                                    <p:cond delay="0"/>
-                                  </p:stCondLst>
-                                  <p:childTnLst>
-                                    <p:set>
-                                      <p:cBhvr>
-                                        <p:cTn id="12" dur="1" fill="hold">
-                                          <p:stCondLst>
-                                            <p:cond delay="0"/>
-                                          </p:stCondLst>
-                                        </p:cTn>
-                                        <p:tgtEl>
-                                          <p:spTgt spid="3">
-                                            <p:txEl>
-                                              <p:pRg st="2" end="2"/>
-                                            </p:txEl>
-                                          </p:spTgt>
-                                        </p:tgtEl>
-                                        <p:attrNameLst>
-                                          <p:attrName>style.visibility</p:attrName>
-                                        </p:attrNameLst>
-                                      </p:cBhvr>
-                                      <p:to>
-                                        <p:strVal val="visible"/>
-                                      </p:to>
-                                    </p:set>
-                                    <p:animEffect transition="in" filter="checkerboard(across)">
-                                      <p:cBhvr>
-                                        <p:cTn id="13" dur="500"/>
-                                        <p:tgtEl>
-                                          <p:spTgt spid="3">
-                                            <p:txEl>
-                                              <p:pRg st="2" end="2"/>
-                                            </p:txEl>
-                                          </p:spTgt>
-                                        </p:tgtEl>
-                                      </p:cBhvr>
-                                    </p:animEffect>
-                                  </p:childTnLst>
-                                </p:cTn>
-                              </p:par>
-                            </p:childTnLst>
-                          </p:cTn>
-                        </p:par>
-                      </p:childTnLst>
-                    </p:cTn>
-                  </p:par>
-                  <p:par>
-                    <p:cTn id="14" fill="hold">
-                      <p:stCondLst>
-                        <p:cond delay="indefinite"/>
-                      </p:stCondLst>
-                      <p:childTnLst>
-                        <p:par>
-                          <p:cTn id="15" fill="hold">
-                            <p:stCondLst>
-                              <p:cond delay="0"/>
-                            </p:stCondLst>
-                            <p:childTnLst>
-                              <p:par>
-                                <p:cTn id="16" presetID="4" presetClass="entr" presetSubtype="16" fill="hold" nodeType="clickEffect">
-                                  <p:stCondLst>
-                                    <p:cond delay="0"/>
-                                  </p:stCondLst>
-                                  <p:childTnLst>
-                                    <p:set>
-                                      <p:cBhvr>
-                                        <p:cTn id="17" dur="1" fill="hold">
-                                          <p:stCondLst>
-                                            <p:cond delay="0"/>
-                                          </p:stCondLst>
-                                        </p:cTn>
-                                        <p:tgtEl>
-                                          <p:spTgt spid="3">
-                                            <p:txEl>
-                                              <p:pRg st="3" end="3"/>
-                                            </p:txEl>
-                                          </p:spTgt>
-                                        </p:tgtEl>
-                                        <p:attrNameLst>
-                                          <p:attrName>style.visibility</p:attrName>
-                                        </p:attrNameLst>
-                                      </p:cBhvr>
-                                      <p:to>
-                                        <p:strVal val="visible"/>
-                                      </p:to>
-                                    </p:set>
-                                    <p:animEffect transition="in" filter="box(in)">
-                                      <p:cBhvr>
-                                        <p:cTn id="18" dur="500"/>
-                                        <p:tgtEl>
-                                          <p:spTgt spid="3">
-                                            <p:txEl>
-                                              <p:pRg st="3" end="3"/>
-                                            </p:txEl>
-                                          </p:spTgt>
-                                        </p:tgtEl>
-                                      </p:cBhvr>
-                                    </p:animEffect>
-                                  </p:childTnLst>
-                                </p:cTn>
-                              </p:par>
-                              <p:par>
-                                <p:cTn id="19" presetID="4" presetClass="entr" presetSubtype="16" fill="hold" nodeType="withEffect">
-                                  <p:stCondLst>
-                                    <p:cond delay="0"/>
-                                  </p:stCondLst>
-                                  <p:childTnLst>
-                                    <p:set>
-                                      <p:cBhvr>
-                                        <p:cTn id="20" dur="1" fill="hold">
-                                          <p:stCondLst>
-                                            <p:cond delay="0"/>
-                                          </p:stCondLst>
-                                        </p:cTn>
-                                        <p:tgtEl>
-                                          <p:spTgt spid="3">
-                                            <p:txEl>
-                                              <p:pRg st="4" end="4"/>
-                                            </p:txEl>
-                                          </p:spTgt>
-                                        </p:tgtEl>
-                                        <p:attrNameLst>
-                                          <p:attrName>style.visibility</p:attrName>
-                                        </p:attrNameLst>
-                                      </p:cBhvr>
-                                      <p:to>
-                                        <p:strVal val="visible"/>
-                                      </p:to>
-                                    </p:set>
-                                    <p:animEffect transition="in" filter="box(in)">
-                                      <p:cBhvr>
-                                        <p:cTn id="21" dur="500"/>
-                                        <p:tgtEl>
-                                          <p:spTgt spid="3">
-                                            <p:txEl>
-                                              <p:pRg st="4" end="4"/>
-                                            </p:txEl>
-                                          </p:spTgt>
-                                        </p:tgtEl>
-                                      </p:cBhvr>
-                                    </p:animEffect>
-                                  </p:childTnLst>
-                                </p:cTn>
-                              </p:par>
-                              <p:par>
-                                <p:cTn id="22" presetID="4" presetClass="entr" presetSubtype="16" fill="hold" nodeType="withEffect">
-                                  <p:stCondLst>
-                                    <p:cond delay="0"/>
-                                  </p:stCondLst>
-                                  <p:childTnLst>
-                                    <p:set>
-                                      <p:cBhvr>
-                                        <p:cTn id="23" dur="1" fill="hold">
-                                          <p:stCondLst>
-                                            <p:cond delay="0"/>
-                                          </p:stCondLst>
-                                        </p:cTn>
-                                        <p:tgtEl>
-                                          <p:spTgt spid="3">
-                                            <p:txEl>
-                                              <p:pRg st="5" end="5"/>
-                                            </p:txEl>
-                                          </p:spTgt>
-                                        </p:tgtEl>
-                                        <p:attrNameLst>
-                                          <p:attrName>style.visibility</p:attrName>
-                                        </p:attrNameLst>
-                                      </p:cBhvr>
-                                      <p:to>
-                                        <p:strVal val="visible"/>
-                                      </p:to>
-                                    </p:set>
-                                    <p:animEffect transition="in" filter="box(in)">
-                                      <p:cBhvr>
-                                        <p:cTn id="24" dur="500"/>
-                                        <p:tgtEl>
-                                          <p:spTgt spid="3">
-                                            <p:txEl>
-                                              <p:pRg st="5" end="5"/>
-                                            </p:txEl>
-                                          </p:spTgt>
-                                        </p:tgtEl>
-                                      </p:cBhvr>
-                                    </p:animEffect>
-                                  </p:childTnLst>
-                                </p:cTn>
-                              </p:par>
-                              <p:par>
-                                <p:cTn id="25" presetID="4" presetClass="entr" presetSubtype="16" fill="hold" nodeType="withEffect">
-                                  <p:stCondLst>
-                                    <p:cond delay="0"/>
-                                  </p:stCondLst>
-                                  <p:childTnLst>
-                                    <p:set>
-                                      <p:cBhvr>
-                                        <p:cTn id="26" dur="1" fill="hold">
-                                          <p:stCondLst>
-                                            <p:cond delay="0"/>
-                                          </p:stCondLst>
-                                        </p:cTn>
-                                        <p:tgtEl>
-                                          <p:spTgt spid="3">
-                                            <p:txEl>
-                                              <p:pRg st="6" end="6"/>
-                                            </p:txEl>
-                                          </p:spTgt>
-                                        </p:tgtEl>
-                                        <p:attrNameLst>
-                                          <p:attrName>style.visibility</p:attrName>
-                                        </p:attrNameLst>
-                                      </p:cBhvr>
-                                      <p:to>
-                                        <p:strVal val="visible"/>
-                                      </p:to>
-                                    </p:set>
-                                    <p:animEffect transition="in" filter="box(in)">
-                                      <p:cBhvr>
-                                        <p:cTn id="27" dur="500"/>
-                                        <p:tgtEl>
-                                          <p:spTgt spid="3">
-                                            <p:txEl>
-                                              <p:pRg st="6" end="6"/>
-                                            </p:txEl>
-                                          </p:spTgt>
-                                        </p:tgtEl>
-                                      </p:cBhvr>
-                                    </p:animEffect>
-                                  </p:childTnLst>
-                                </p:cTn>
-                              </p:par>
-                            </p:childTnLst>
-                          </p:cTn>
-                        </p:par>
-                      </p:childTnLst>
-                    </p:cTn>
-                  </p:par>
-                  <p:par>
-                    <p:cTn id="28" fill="hold">
-                      <p:stCondLst>
-                        <p:cond delay="indefinite"/>
-                      </p:stCondLst>
-                      <p:childTnLst>
-                        <p:par>
-                          <p:cTn id="29" fill="hold">
-                            <p:stCondLst>
-                              <p:cond delay="0"/>
-                            </p:stCondLst>
-                            <p:childTnLst>
-                              <p:par>
-                                <p:cTn id="30" presetID="4" presetClass="entr" presetSubtype="16" fill="hold" nodeType="clickEffect">
-                                  <p:stCondLst>
-                                    <p:cond delay="0"/>
-                                  </p:stCondLst>
-                                  <p:childTnLst>
-                                    <p:set>
-                                      <p:cBhvr>
-                                        <p:cTn id="31" dur="1" fill="hold">
-                                          <p:stCondLst>
-                                            <p:cond delay="0"/>
-                                          </p:stCondLst>
-                                        </p:cTn>
-                                        <p:tgtEl>
-                                          <p:spTgt spid="3">
-                                            <p:txEl>
-                                              <p:pRg st="7" end="7"/>
-                                            </p:txEl>
-                                          </p:spTgt>
-                                        </p:tgtEl>
-                                        <p:attrNameLst>
-                                          <p:attrName>style.visibility</p:attrName>
-                                        </p:attrNameLst>
-                                      </p:cBhvr>
-                                      <p:to>
-                                        <p:strVal val="visible"/>
-                                      </p:to>
-                                    </p:set>
-                                    <p:animEffect transition="in" filter="box(in)">
-                                      <p:cBhvr>
-                                        <p:cTn id="32" dur="500"/>
-                                        <p:tgtEl>
-                                          <p:spTgt spid="3">
-                                            <p:txEl>
-                                              <p:pRg st="7" end="7"/>
-                                            </p:txEl>
-                                          </p:spTgt>
-                                        </p:tgtEl>
-                                      </p:cBhvr>
-                                    </p:animEffect>
-                                  </p:childTnLst>
-                                </p:cTn>
-                              </p:par>
-                              <p:par>
-                                <p:cTn id="33" presetID="4" presetClass="entr" presetSubtype="16" fill="hold" nodeType="withEffect">
-                                  <p:stCondLst>
-                                    <p:cond delay="0"/>
-                                  </p:stCondLst>
-                                  <p:childTnLst>
-                                    <p:set>
-                                      <p:cBhvr>
-                                        <p:cTn id="34" dur="1" fill="hold">
-                                          <p:stCondLst>
-                                            <p:cond delay="0"/>
-                                          </p:stCondLst>
-                                        </p:cTn>
-                                        <p:tgtEl>
-                                          <p:spTgt spid="3">
-                                            <p:txEl>
-                                              <p:pRg st="8" end="8"/>
-                                            </p:txEl>
-                                          </p:spTgt>
-                                        </p:tgtEl>
-                                        <p:attrNameLst>
-                                          <p:attrName>style.visibility</p:attrName>
-                                        </p:attrNameLst>
-                                      </p:cBhvr>
-                                      <p:to>
-                                        <p:strVal val="visible"/>
-                                      </p:to>
-                                    </p:set>
-                                    <p:animEffect transition="in" filter="box(in)">
-                                      <p:cBhvr>
-                                        <p:cTn id="35" dur="500"/>
-                                        <p:tgtEl>
-                                          <p:spTgt spid="3">
-                                            <p:txEl>
-                                              <p:pRg st="8" end="8"/>
-                                            </p:txEl>
-                                          </p:spTgt>
-                                        </p:tgtEl>
-                                      </p:cBhvr>
-                                    </p:animEffect>
-                                  </p:childTnLst>
-                                </p:cTn>
-                              </p:par>
-                              <p:par>
-                                <p:cTn id="36" presetID="4" presetClass="entr" presetSubtype="16" fill="hold" nodeType="withEffect">
-                                  <p:stCondLst>
-                                    <p:cond delay="0"/>
-                                  </p:stCondLst>
-                                  <p:childTnLst>
-                                    <p:set>
-                                      <p:cBhvr>
-                                        <p:cTn id="37" dur="1" fill="hold">
-                                          <p:stCondLst>
-                                            <p:cond delay="0"/>
-                                          </p:stCondLst>
-                                        </p:cTn>
-                                        <p:tgtEl>
-                                          <p:spTgt spid="3">
-                                            <p:txEl>
-                                              <p:pRg st="9" end="9"/>
-                                            </p:txEl>
-                                          </p:spTgt>
-                                        </p:tgtEl>
-                                        <p:attrNameLst>
-                                          <p:attrName>style.visibility</p:attrName>
-                                        </p:attrNameLst>
-                                      </p:cBhvr>
-                                      <p:to>
-                                        <p:strVal val="visible"/>
-                                      </p:to>
-                                    </p:set>
-                                    <p:animEffect transition="in" filter="box(in)">
-                                      <p:cBhvr>
-                                        <p:cTn id="38" dur="500"/>
-                                        <p:tgtEl>
-                                          <p:spTgt spid="3">
-                                            <p:txEl>
-                                              <p:pRg st="9" end="9"/>
-                                            </p:txEl>
-                                          </p:spTgt>
-                                        </p:tgtEl>
-                                      </p:cBhvr>
-                                    </p:animEffect>
                                   </p:childTnLst>
                                 </p:cTn>
                               </p:par>
@@ -10804,6 +11390,112 @@
       </p:grpSpPr>
       <p:sp>
         <p:nvSpPr>
+          <p:cNvPr id="3" name="Content Placeholder 2"/>
+          <p:cNvSpPr>
+            <a:spLocks noGrp="1"/>
+          </p:cNvSpPr>
+          <p:nvPr>
+            <p:ph idx="1"/>
+          </p:nvPr>
+        </p:nvSpPr>
+        <p:spPr/>
+        <p:txBody>
+          <a:bodyPr>
+            <a:normAutofit fontScale="92500" lnSpcReduction="10000"/>
+          </a:bodyPr>
+          <a:lstStyle/>
+          <a:p>
+            <a:r>
+              <a:rPr lang="hr-HR" dirty="0" err="1" smtClean="0"/>
+              <a:t>Inter</a:t>
+            </a:r>
+            <a:r>
+              <a:rPr lang="hr-HR" dirty="0" smtClean="0"/>
+              <a:t> predikcija je računski vrlo zahtjevna</a:t>
+            </a:r>
+          </a:p>
+          <a:p>
+            <a:pPr lvl="1"/>
+            <a:r>
+              <a:rPr lang="hr-HR" dirty="0" smtClean="0"/>
+              <a:t>Veliki broj mogućih pomaka</a:t>
+            </a:r>
+          </a:p>
+          <a:p>
+            <a:pPr lvl="1"/>
+            <a:r>
+              <a:rPr lang="hr-HR" dirty="0" smtClean="0"/>
+              <a:t>Rekonstrukcija dijelova slike – potrebna interpolacija za pomaka kraće od širine </a:t>
+            </a:r>
+            <a:r>
+              <a:rPr lang="hr-HR" dirty="0" err="1" smtClean="0"/>
+              <a:t>piksela</a:t>
+            </a:r>
+            <a:endParaRPr lang="hr-HR" dirty="0" smtClean="0"/>
+          </a:p>
+          <a:p>
+            <a:r>
+              <a:rPr lang="hr-HR" dirty="0" smtClean="0"/>
+              <a:t>Optimiranje predviđanja</a:t>
+            </a:r>
+          </a:p>
+          <a:p>
+            <a:pPr lvl="1"/>
+            <a:r>
+              <a:rPr lang="hr-HR" dirty="0" smtClean="0"/>
+              <a:t>Izračun vrijednosti svjetline i boje na svim pozicijama referentne slike</a:t>
+            </a:r>
+          </a:p>
+          <a:p>
+            <a:pPr lvl="1"/>
+            <a:r>
+              <a:rPr lang="hr-HR" dirty="0" smtClean="0"/>
+              <a:t>Tri tipa pomaka</a:t>
+            </a:r>
+            <a:r>
+              <a:rPr lang="hr-HR" smtClean="0"/>
+              <a:t>: slični susjednima</a:t>
+            </a:r>
+            <a:r>
+              <a:rPr lang="hr-HR" dirty="0" smtClean="0"/>
+              <a:t>, kratki, dugi</a:t>
+            </a:r>
+          </a:p>
+          <a:p>
+            <a:pPr lvl="1"/>
+            <a:r>
+              <a:rPr lang="hr-HR" dirty="0" smtClean="0"/>
+              <a:t>Višestruki odabir potencijalnih i najboljeg vektora pomaka temeljem karakteristika bloka</a:t>
+            </a:r>
+          </a:p>
+          <a:p>
+            <a:r>
+              <a:rPr lang="hr-HR" dirty="0" smtClean="0"/>
+              <a:t>Rezultati optimiranja</a:t>
+            </a:r>
+          </a:p>
+          <a:p>
+            <a:pPr lvl="1"/>
+            <a:r>
+              <a:rPr lang="hr-HR" dirty="0" smtClean="0"/>
+              <a:t>Brža provjera dobrote vektora pomaka – veća brzina</a:t>
+            </a:r>
+          </a:p>
+          <a:p>
+            <a:pPr lvl="1"/>
+            <a:r>
+              <a:rPr lang="hr-HR" dirty="0" smtClean="0"/>
+              <a:t>Detekcija dalekih pomaka – veća kompresija</a:t>
+            </a:r>
+          </a:p>
+          <a:p>
+            <a:pPr lvl="1"/>
+            <a:endParaRPr lang="hr-HR" dirty="0" smtClean="0"/>
+          </a:p>
+        </p:txBody>
+      </p:sp>
+      <p:sp>
+        <p:nvSpPr>
           <p:cNvPr id="2" name="Title 1"/>
           <p:cNvSpPr>
             <a:spLocks noGrp="1"/>
@@ -10812,23 +11504,16 @@
             <p:ph type="title"/>
           </p:nvPr>
         </p:nvSpPr>
-        <p:spPr>
-          <a:xfrm>
-            <a:off x="428596" y="285728"/>
-            <a:ext cx="8229600" cy="6072230"/>
-          </a:xfrm>
-        </p:spPr>
+        <p:spPr/>
         <p:txBody>
-          <a:bodyPr>
-            <a:normAutofit/>
-          </a:bodyPr>
+          <a:bodyPr/>
           <a:lstStyle/>
           <a:p>
             <a:r>
-              <a:rPr lang="hr-HR" sz="4800" dirty="0" smtClean="0"/>
-              <a:t>Hvala na pažnji</a:t>
-            </a:r>
-            <a:endParaRPr lang="hr-HR" sz="4800" dirty="0"/>
+              <a:rPr lang="hr-HR" dirty="0" smtClean="0"/>
+              <a:t>Zaključak</a:t>
+            </a:r>
+            <a:endParaRPr lang="hr-HR" dirty="0"/>
           </a:p>
         </p:txBody>
       </p:sp>
@@ -10844,8 +11529,8 @@
         </p:nvSpPr>
         <p:spPr>
           <a:xfrm>
-            <a:off x="8501090" y="6407944"/>
-            <a:ext cx="511942" cy="365125"/>
+            <a:off x="8429652" y="6407944"/>
+            <a:ext cx="583380" cy="365125"/>
           </a:xfrm>
         </p:spPr>
         <p:txBody>
@@ -10854,12 +11539,21 @@
           <a:p>
             <a:r>
               <a:rPr lang="hr-HR" dirty="0" smtClean="0"/>
-              <a:t>8 / </a:t>
-            </a:r>
-            <a:r>
-              <a:rPr lang="hr-HR" dirty="0" err="1" smtClean="0"/>
               <a:t>8</a:t>
             </a:r>
+            <a:r>
+              <a:rPr lang="hr-HR" dirty="0" smtClean="0"/>
+              <a:t> </a:t>
+            </a:r>
+            <a:r>
+              <a:rPr lang="hr-HR" dirty="0" smtClean="0"/>
+              <a:t>/ </a:t>
+            </a:r>
+            <a:fld id="{D7442919-5B2D-493E-8C74-C1A9103AEA28}" type="slidenum">
+              <a:rPr lang="hr-HR" smtClean="0"/>
+              <a:pPr/>
+              <a:t>9</a:t>
+            </a:fld>
             <a:endParaRPr lang="hr-HR" dirty="0"/>
           </a:p>
         </p:txBody>
@@ -10872,7 +11566,514 @@
   <p:timing>
     <p:tnLst>
       <p:par>
-        <p:cTn id="1" dur="indefinite" restart="never" nodeType="tmRoot"/>
+        <p:cTn id="1" dur="indefinite" restart="never" nodeType="tmRoot">
+          <p:childTnLst>
+            <p:seq concurrent="1" nextAc="seek">
+              <p:cTn id="2" dur="indefinite" nodeType="mainSeq">
+                <p:childTnLst>
+                  <p:par>
+                    <p:cTn id="3" fill="hold">
+                      <p:stCondLst>
+                        <p:cond delay="indefinite"/>
+                      </p:stCondLst>
+                      <p:childTnLst>
+                        <p:par>
+                          <p:cTn id="4" fill="hold">
+                            <p:stCondLst>
+                              <p:cond delay="0"/>
+                            </p:stCondLst>
+                            <p:childTnLst>
+                              <p:par>
+                                <p:cTn id="5" presetID="5" presetClass="entr" presetSubtype="10" fill="hold" nodeType="clickEffect">
+                                  <p:stCondLst>
+                                    <p:cond delay="0"/>
+                                  </p:stCondLst>
+                                  <p:childTnLst>
+                                    <p:set>
+                                      <p:cBhvr>
+                                        <p:cTn id="6" dur="1" fill="hold">
+                                          <p:stCondLst>
+                                            <p:cond delay="0"/>
+                                          </p:stCondLst>
+                                        </p:cTn>
+                                        <p:tgtEl>
+                                          <p:spTgt spid="3">
+                                            <p:txEl>
+                                              <p:pRg st="0" end="0"/>
+                                            </p:txEl>
+                                          </p:spTgt>
+                                        </p:tgtEl>
+                                        <p:attrNameLst>
+                                          <p:attrName>style.visibility</p:attrName>
+                                        </p:attrNameLst>
+                                      </p:cBhvr>
+                                      <p:to>
+                                        <p:strVal val="visible"/>
+                                      </p:to>
+                                    </p:set>
+                                    <p:animEffect transition="in" filter="checkerboard(across)">
+                                      <p:cBhvr>
+                                        <p:cTn id="7" dur="500"/>
+                                        <p:tgtEl>
+                                          <p:spTgt spid="3">
+                                            <p:txEl>
+                                              <p:pRg st="0" end="0"/>
+                                            </p:txEl>
+                                          </p:spTgt>
+                                        </p:tgtEl>
+                                      </p:cBhvr>
+                                    </p:animEffect>
+                                  </p:childTnLst>
+                                </p:cTn>
+                              </p:par>
+                              <p:par>
+                                <p:cTn id="8" presetID="5" presetClass="entr" presetSubtype="10" fill="hold" nodeType="withEffect">
+                                  <p:stCondLst>
+                                    <p:cond delay="0"/>
+                                  </p:stCondLst>
+                                  <p:childTnLst>
+                                    <p:set>
+                                      <p:cBhvr>
+                                        <p:cTn id="9" dur="1" fill="hold">
+                                          <p:stCondLst>
+                                            <p:cond delay="0"/>
+                                          </p:stCondLst>
+                                        </p:cTn>
+                                        <p:tgtEl>
+                                          <p:spTgt spid="3">
+                                            <p:txEl>
+                                              <p:pRg st="1" end="1"/>
+                                            </p:txEl>
+                                          </p:spTgt>
+                                        </p:tgtEl>
+                                        <p:attrNameLst>
+                                          <p:attrName>style.visibility</p:attrName>
+                                        </p:attrNameLst>
+                                      </p:cBhvr>
+                                      <p:to>
+                                        <p:strVal val="visible"/>
+                                      </p:to>
+                                    </p:set>
+                                    <p:animEffect transition="in" filter="checkerboard(across)">
+                                      <p:cBhvr>
+                                        <p:cTn id="10" dur="500"/>
+                                        <p:tgtEl>
+                                          <p:spTgt spid="3">
+                                            <p:txEl>
+                                              <p:pRg st="1" end="1"/>
+                                            </p:txEl>
+                                          </p:spTgt>
+                                        </p:tgtEl>
+                                      </p:cBhvr>
+                                    </p:animEffect>
+                                  </p:childTnLst>
+                                </p:cTn>
+                              </p:par>
+                              <p:par>
+                                <p:cTn id="11" presetID="5" presetClass="entr" presetSubtype="10" fill="hold" nodeType="withEffect">
+                                  <p:stCondLst>
+                                    <p:cond delay="0"/>
+                                  </p:stCondLst>
+                                  <p:childTnLst>
+                                    <p:set>
+                                      <p:cBhvr>
+                                        <p:cTn id="12" dur="1" fill="hold">
+                                          <p:stCondLst>
+                                            <p:cond delay="0"/>
+                                          </p:stCondLst>
+                                        </p:cTn>
+                                        <p:tgtEl>
+                                          <p:spTgt spid="3">
+                                            <p:txEl>
+                                              <p:pRg st="2" end="2"/>
+                                            </p:txEl>
+                                          </p:spTgt>
+                                        </p:tgtEl>
+                                        <p:attrNameLst>
+                                          <p:attrName>style.visibility</p:attrName>
+                                        </p:attrNameLst>
+                                      </p:cBhvr>
+                                      <p:to>
+                                        <p:strVal val="visible"/>
+                                      </p:to>
+                                    </p:set>
+                                    <p:animEffect transition="in" filter="checkerboard(across)">
+                                      <p:cBhvr>
+                                        <p:cTn id="13" dur="500"/>
+                                        <p:tgtEl>
+                                          <p:spTgt spid="3">
+                                            <p:txEl>
+                                              <p:pRg st="2" end="2"/>
+                                            </p:txEl>
+                                          </p:spTgt>
+                                        </p:tgtEl>
+                                      </p:cBhvr>
+                                    </p:animEffect>
+                                  </p:childTnLst>
+                                </p:cTn>
+                              </p:par>
+                            </p:childTnLst>
+                          </p:cTn>
+                        </p:par>
+                      </p:childTnLst>
+                    </p:cTn>
+                  </p:par>
+                  <p:par>
+                    <p:cTn id="14" fill="hold">
+                      <p:stCondLst>
+                        <p:cond delay="indefinite"/>
+                      </p:stCondLst>
+                      <p:childTnLst>
+                        <p:par>
+                          <p:cTn id="15" fill="hold">
+                            <p:stCondLst>
+                              <p:cond delay="0"/>
+                            </p:stCondLst>
+                            <p:childTnLst>
+                              <p:par>
+                                <p:cTn id="16" presetID="4" presetClass="entr" presetSubtype="16" fill="hold" nodeType="clickEffect">
+                                  <p:stCondLst>
+                                    <p:cond delay="0"/>
+                                  </p:stCondLst>
+                                  <p:childTnLst>
+                                    <p:set>
+                                      <p:cBhvr>
+                                        <p:cTn id="17" dur="1" fill="hold">
+                                          <p:stCondLst>
+                                            <p:cond delay="0"/>
+                                          </p:stCondLst>
+                                        </p:cTn>
+                                        <p:tgtEl>
+                                          <p:spTgt spid="3">
+                                            <p:txEl>
+                                              <p:pRg st="3" end="3"/>
+                                            </p:txEl>
+                                          </p:spTgt>
+                                        </p:tgtEl>
+                                        <p:attrNameLst>
+                                          <p:attrName>style.visibility</p:attrName>
+                                        </p:attrNameLst>
+                                      </p:cBhvr>
+                                      <p:to>
+                                        <p:strVal val="visible"/>
+                                      </p:to>
+                                    </p:set>
+                                    <p:animEffect transition="in" filter="box(in)">
+                                      <p:cBhvr>
+                                        <p:cTn id="18" dur="500"/>
+                                        <p:tgtEl>
+                                          <p:spTgt spid="3">
+                                            <p:txEl>
+                                              <p:pRg st="3" end="3"/>
+                                            </p:txEl>
+                                          </p:spTgt>
+                                        </p:tgtEl>
+                                      </p:cBhvr>
+                                    </p:animEffect>
+                                  </p:childTnLst>
+                                </p:cTn>
+                              </p:par>
+                              <p:par>
+                                <p:cTn id="19" presetID="4" presetClass="entr" presetSubtype="16" fill="hold" nodeType="withEffect">
+                                  <p:stCondLst>
+                                    <p:cond delay="0"/>
+                                  </p:stCondLst>
+                                  <p:childTnLst>
+                                    <p:set>
+                                      <p:cBhvr>
+                                        <p:cTn id="20" dur="1" fill="hold">
+                                          <p:stCondLst>
+                                            <p:cond delay="0"/>
+                                          </p:stCondLst>
+                                        </p:cTn>
+                                        <p:tgtEl>
+                                          <p:spTgt spid="3">
+                                            <p:txEl>
+                                              <p:pRg st="4" end="4"/>
+                                            </p:txEl>
+                                          </p:spTgt>
+                                        </p:tgtEl>
+                                        <p:attrNameLst>
+                                          <p:attrName>style.visibility</p:attrName>
+                                        </p:attrNameLst>
+                                      </p:cBhvr>
+                                      <p:to>
+                                        <p:strVal val="visible"/>
+                                      </p:to>
+                                    </p:set>
+                                    <p:animEffect transition="in" filter="box(in)">
+                                      <p:cBhvr>
+                                        <p:cTn id="21" dur="500"/>
+                                        <p:tgtEl>
+                                          <p:spTgt spid="3">
+                                            <p:txEl>
+                                              <p:pRg st="4" end="4"/>
+                                            </p:txEl>
+                                          </p:spTgt>
+                                        </p:tgtEl>
+                                      </p:cBhvr>
+                                    </p:animEffect>
+                                  </p:childTnLst>
+                                </p:cTn>
+                              </p:par>
+                              <p:par>
+                                <p:cTn id="22" presetID="4" presetClass="entr" presetSubtype="16" fill="hold" nodeType="withEffect">
+                                  <p:stCondLst>
+                                    <p:cond delay="0"/>
+                                  </p:stCondLst>
+                                  <p:childTnLst>
+                                    <p:set>
+                                      <p:cBhvr>
+                                        <p:cTn id="23" dur="1" fill="hold">
+                                          <p:stCondLst>
+                                            <p:cond delay="0"/>
+                                          </p:stCondLst>
+                                        </p:cTn>
+                                        <p:tgtEl>
+                                          <p:spTgt spid="3">
+                                            <p:txEl>
+                                              <p:pRg st="5" end="5"/>
+                                            </p:txEl>
+                                          </p:spTgt>
+                                        </p:tgtEl>
+                                        <p:attrNameLst>
+                                          <p:attrName>style.visibility</p:attrName>
+                                        </p:attrNameLst>
+                                      </p:cBhvr>
+                                      <p:to>
+                                        <p:strVal val="visible"/>
+                                      </p:to>
+                                    </p:set>
+                                    <p:animEffect transition="in" filter="box(in)">
+                                      <p:cBhvr>
+                                        <p:cTn id="24" dur="500"/>
+                                        <p:tgtEl>
+                                          <p:spTgt spid="3">
+                                            <p:txEl>
+                                              <p:pRg st="5" end="5"/>
+                                            </p:txEl>
+                                          </p:spTgt>
+                                        </p:tgtEl>
+                                      </p:cBhvr>
+                                    </p:animEffect>
+                                  </p:childTnLst>
+                                </p:cTn>
+                              </p:par>
+                              <p:par>
+                                <p:cTn id="25" presetID="4" presetClass="entr" presetSubtype="16" fill="hold" nodeType="withEffect">
+                                  <p:stCondLst>
+                                    <p:cond delay="0"/>
+                                  </p:stCondLst>
+                                  <p:childTnLst>
+                                    <p:set>
+                                      <p:cBhvr>
+                                        <p:cTn id="26" dur="1" fill="hold">
+                                          <p:stCondLst>
+                                            <p:cond delay="0"/>
+                                          </p:stCondLst>
+                                        </p:cTn>
+                                        <p:tgtEl>
+                                          <p:spTgt spid="3">
+                                            <p:txEl>
+                                              <p:pRg st="6" end="6"/>
+                                            </p:txEl>
+                                          </p:spTgt>
+                                        </p:tgtEl>
+                                        <p:attrNameLst>
+                                          <p:attrName>style.visibility</p:attrName>
+                                        </p:attrNameLst>
+                                      </p:cBhvr>
+                                      <p:to>
+                                        <p:strVal val="visible"/>
+                                      </p:to>
+                                    </p:set>
+                                    <p:animEffect transition="in" filter="box(in)">
+                                      <p:cBhvr>
+                                        <p:cTn id="27" dur="500"/>
+                                        <p:tgtEl>
+                                          <p:spTgt spid="3">
+                                            <p:txEl>
+                                              <p:pRg st="6" end="6"/>
+                                            </p:txEl>
+                                          </p:spTgt>
+                                        </p:tgtEl>
+                                      </p:cBhvr>
+                                    </p:animEffect>
+                                  </p:childTnLst>
+                                </p:cTn>
+                              </p:par>
+                            </p:childTnLst>
+                          </p:cTn>
+                        </p:par>
+                      </p:childTnLst>
+                    </p:cTn>
+                  </p:par>
+                  <p:par>
+                    <p:cTn id="28" fill="hold">
+                      <p:stCondLst>
+                        <p:cond delay="indefinite"/>
+                      </p:stCondLst>
+                      <p:childTnLst>
+                        <p:par>
+                          <p:cTn id="29" fill="hold">
+                            <p:stCondLst>
+                              <p:cond delay="0"/>
+                            </p:stCondLst>
+                            <p:childTnLst>
+                              <p:par>
+                                <p:cTn id="30" presetID="4" presetClass="entr" presetSubtype="16" fill="hold" nodeType="clickEffect">
+                                  <p:stCondLst>
+                                    <p:cond delay="0"/>
+                                  </p:stCondLst>
+                                  <p:childTnLst>
+                                    <p:set>
+                                      <p:cBhvr>
+                                        <p:cTn id="31" dur="1" fill="hold">
+                                          <p:stCondLst>
+                                            <p:cond delay="0"/>
+                                          </p:stCondLst>
+                                        </p:cTn>
+                                        <p:tgtEl>
+                                          <p:spTgt spid="3">
+                                            <p:txEl>
+                                              <p:pRg st="7" end="7"/>
+                                            </p:txEl>
+                                          </p:spTgt>
+                                        </p:tgtEl>
+                                        <p:attrNameLst>
+                                          <p:attrName>style.visibility</p:attrName>
+                                        </p:attrNameLst>
+                                      </p:cBhvr>
+                                      <p:to>
+                                        <p:strVal val="visible"/>
+                                      </p:to>
+                                    </p:set>
+                                    <p:animEffect transition="in" filter="box(in)">
+                                      <p:cBhvr>
+                                        <p:cTn id="32" dur="500"/>
+                                        <p:tgtEl>
+                                          <p:spTgt spid="3">
+                                            <p:txEl>
+                                              <p:pRg st="7" end="7"/>
+                                            </p:txEl>
+                                          </p:spTgt>
+                                        </p:tgtEl>
+                                      </p:cBhvr>
+                                    </p:animEffect>
+                                  </p:childTnLst>
+                                </p:cTn>
+                              </p:par>
+                              <p:par>
+                                <p:cTn id="33" presetID="4" presetClass="entr" presetSubtype="16" fill="hold" nodeType="withEffect">
+                                  <p:stCondLst>
+                                    <p:cond delay="0"/>
+                                  </p:stCondLst>
+                                  <p:childTnLst>
+                                    <p:set>
+                                      <p:cBhvr>
+                                        <p:cTn id="34" dur="1" fill="hold">
+                                          <p:stCondLst>
+                                            <p:cond delay="0"/>
+                                          </p:stCondLst>
+                                        </p:cTn>
+                                        <p:tgtEl>
+                                          <p:spTgt spid="3">
+                                            <p:txEl>
+                                              <p:pRg st="8" end="8"/>
+                                            </p:txEl>
+                                          </p:spTgt>
+                                        </p:tgtEl>
+                                        <p:attrNameLst>
+                                          <p:attrName>style.visibility</p:attrName>
+                                        </p:attrNameLst>
+                                      </p:cBhvr>
+                                      <p:to>
+                                        <p:strVal val="visible"/>
+                                      </p:to>
+                                    </p:set>
+                                    <p:animEffect transition="in" filter="box(in)">
+                                      <p:cBhvr>
+                                        <p:cTn id="35" dur="500"/>
+                                        <p:tgtEl>
+                                          <p:spTgt spid="3">
+                                            <p:txEl>
+                                              <p:pRg st="8" end="8"/>
+                                            </p:txEl>
+                                          </p:spTgt>
+                                        </p:tgtEl>
+                                      </p:cBhvr>
+                                    </p:animEffect>
+                                  </p:childTnLst>
+                                </p:cTn>
+                              </p:par>
+                              <p:par>
+                                <p:cTn id="36" presetID="4" presetClass="entr" presetSubtype="16" fill="hold" nodeType="withEffect">
+                                  <p:stCondLst>
+                                    <p:cond delay="0"/>
+                                  </p:stCondLst>
+                                  <p:childTnLst>
+                                    <p:set>
+                                      <p:cBhvr>
+                                        <p:cTn id="37" dur="1" fill="hold">
+                                          <p:stCondLst>
+                                            <p:cond delay="0"/>
+                                          </p:stCondLst>
+                                        </p:cTn>
+                                        <p:tgtEl>
+                                          <p:spTgt spid="3">
+                                            <p:txEl>
+                                              <p:pRg st="9" end="9"/>
+                                            </p:txEl>
+                                          </p:spTgt>
+                                        </p:tgtEl>
+                                        <p:attrNameLst>
+                                          <p:attrName>style.visibility</p:attrName>
+                                        </p:attrNameLst>
+                                      </p:cBhvr>
+                                      <p:to>
+                                        <p:strVal val="visible"/>
+                                      </p:to>
+                                    </p:set>
+                                    <p:animEffect transition="in" filter="box(in)">
+                                      <p:cBhvr>
+                                        <p:cTn id="38" dur="500"/>
+                                        <p:tgtEl>
+                                          <p:spTgt spid="3">
+                                            <p:txEl>
+                                              <p:pRg st="9" end="9"/>
+                                            </p:txEl>
+                                          </p:spTgt>
+                                        </p:tgtEl>
+                                      </p:cBhvr>
+                                    </p:animEffect>
+                                  </p:childTnLst>
+                                </p:cTn>
+                              </p:par>
+                            </p:childTnLst>
+                          </p:cTn>
+                        </p:par>
+                      </p:childTnLst>
+                    </p:cTn>
+                  </p:par>
+                </p:childTnLst>
+              </p:cTn>
+              <p:prevCondLst>
+                <p:cond evt="onPrev" delay="0">
+                  <p:tgtEl>
+                    <p:sldTgt/>
+                  </p:tgtEl>
+                </p:cond>
+              </p:prevCondLst>
+              <p:nextCondLst>
+                <p:cond evt="onNext" delay="0">
+                  <p:tgtEl>
+                    <p:sldTgt/>
+                  </p:tgtEl>
+                </p:cond>
+              </p:nextCondLst>
+            </p:seq>
+          </p:childTnLst>
+        </p:cTn>
       </p:par>
     </p:tnLst>
   </p:timing>
